--- a/Animation.pptx
+++ b/Animation.pptx
@@ -7,6 +7,7 @@
   <p:sldIdLst>
     <p:sldId id="256" r:id="rId2"/>
     <p:sldId id="257" r:id="rId3"/>
+    <p:sldId id="258" r:id="rId4"/>
   </p:sldIdLst>
   <p:sldSz cx="12192000" cy="6858000"/>
   <p:notesSz cx="6858000" cy="9144000"/>
@@ -105,6 +106,11 @@
       </a:defRPr>
     </a:lvl9pPr>
   </p:defaultTextStyle>
+  <p:extLst>
+    <p:ext uri="{EFAFB233-063F-42B5-8137-9DF3F51BA10A}">
+      <p15:sldGuideLst xmlns:p15="http://schemas.microsoft.com/office/powerpoint/2012/main"/>
+    </p:ext>
+  </p:extLst>
 </p:presentation>
 </file>
 
@@ -255,7 +261,7 @@
           <a:p>
             <a:fld id="{1498BA10-AD91-4098-951E-48B310B67AB5}" type="datetimeFigureOut">
               <a:rPr lang="en-US" smtClean="0"/>
-              <a:t>6/14/2021</a:t>
+              <a:t>6/24/2021</a:t>
             </a:fld>
             <a:endParaRPr lang="en-US"/>
           </a:p>
@@ -453,7 +459,7 @@
           <a:p>
             <a:fld id="{1498BA10-AD91-4098-951E-48B310B67AB5}" type="datetimeFigureOut">
               <a:rPr lang="en-US" smtClean="0"/>
-              <a:t>6/14/2021</a:t>
+              <a:t>6/24/2021</a:t>
             </a:fld>
             <a:endParaRPr lang="en-US"/>
           </a:p>
@@ -661,7 +667,7 @@
           <a:p>
             <a:fld id="{1498BA10-AD91-4098-951E-48B310B67AB5}" type="datetimeFigureOut">
               <a:rPr lang="en-US" smtClean="0"/>
-              <a:t>6/14/2021</a:t>
+              <a:t>6/24/2021</a:t>
             </a:fld>
             <a:endParaRPr lang="en-US"/>
           </a:p>
@@ -859,7 +865,7 @@
           <a:p>
             <a:fld id="{1498BA10-AD91-4098-951E-48B310B67AB5}" type="datetimeFigureOut">
               <a:rPr lang="en-US" smtClean="0"/>
-              <a:t>6/14/2021</a:t>
+              <a:t>6/24/2021</a:t>
             </a:fld>
             <a:endParaRPr lang="en-US"/>
           </a:p>
@@ -1134,7 +1140,7 @@
           <a:p>
             <a:fld id="{1498BA10-AD91-4098-951E-48B310B67AB5}" type="datetimeFigureOut">
               <a:rPr lang="en-US" smtClean="0"/>
-              <a:t>6/14/2021</a:t>
+              <a:t>6/24/2021</a:t>
             </a:fld>
             <a:endParaRPr lang="en-US"/>
           </a:p>
@@ -1399,7 +1405,7 @@
           <a:p>
             <a:fld id="{1498BA10-AD91-4098-951E-48B310B67AB5}" type="datetimeFigureOut">
               <a:rPr lang="en-US" smtClean="0"/>
-              <a:t>6/14/2021</a:t>
+              <a:t>6/24/2021</a:t>
             </a:fld>
             <a:endParaRPr lang="en-US"/>
           </a:p>
@@ -1811,7 +1817,7 @@
           <a:p>
             <a:fld id="{1498BA10-AD91-4098-951E-48B310B67AB5}" type="datetimeFigureOut">
               <a:rPr lang="en-US" smtClean="0"/>
-              <a:t>6/14/2021</a:t>
+              <a:t>6/24/2021</a:t>
             </a:fld>
             <a:endParaRPr lang="en-US"/>
           </a:p>
@@ -1952,7 +1958,7 @@
           <a:p>
             <a:fld id="{1498BA10-AD91-4098-951E-48B310B67AB5}" type="datetimeFigureOut">
               <a:rPr lang="en-US" smtClean="0"/>
-              <a:t>6/14/2021</a:t>
+              <a:t>6/24/2021</a:t>
             </a:fld>
             <a:endParaRPr lang="en-US"/>
           </a:p>
@@ -2065,7 +2071,7 @@
           <a:p>
             <a:fld id="{1498BA10-AD91-4098-951E-48B310B67AB5}" type="datetimeFigureOut">
               <a:rPr lang="en-US" smtClean="0"/>
-              <a:t>6/14/2021</a:t>
+              <a:t>6/24/2021</a:t>
             </a:fld>
             <a:endParaRPr lang="en-US"/>
           </a:p>
@@ -2376,7 +2382,7 @@
           <a:p>
             <a:fld id="{1498BA10-AD91-4098-951E-48B310B67AB5}" type="datetimeFigureOut">
               <a:rPr lang="en-US" smtClean="0"/>
-              <a:t>6/14/2021</a:t>
+              <a:t>6/24/2021</a:t>
             </a:fld>
             <a:endParaRPr lang="en-US"/>
           </a:p>
@@ -2664,7 +2670,7 @@
           <a:p>
             <a:fld id="{1498BA10-AD91-4098-951E-48B310B67AB5}" type="datetimeFigureOut">
               <a:rPr lang="en-US" smtClean="0"/>
-              <a:t>6/14/2021</a:t>
+              <a:t>6/24/2021</a:t>
             </a:fld>
             <a:endParaRPr lang="en-US"/>
           </a:p>
@@ -2905,7 +2911,7 @@
           <a:p>
             <a:fld id="{1498BA10-AD91-4098-951E-48B310B67AB5}" type="datetimeFigureOut">
               <a:rPr lang="en-US" smtClean="0"/>
-              <a:t>6/14/2021</a:t>
+              <a:t>6/24/2021</a:t>
             </a:fld>
             <a:endParaRPr lang="en-US"/>
           </a:p>
@@ -3625,6 +3631,954 @@
 </p:sld>
 </file>
 
+<file path=ppt/slides/slide3.xml><?xml version="1.0" encoding="utf-8"?>
+<p:sld xmlns:a="http://schemas.openxmlformats.org/drawingml/2006/main" xmlns:r="http://schemas.openxmlformats.org/officeDocument/2006/relationships" xmlns:p="http://schemas.openxmlformats.org/presentationml/2006/main">
+  <p:cSld>
+    <p:spTree>
+      <p:nvGrpSpPr>
+        <p:cNvPr id="1" name=""/>
+        <p:cNvGrpSpPr/>
+        <p:nvPr/>
+      </p:nvGrpSpPr>
+      <p:grpSpPr>
+        <a:xfrm>
+          <a:off x="0" y="0"/>
+          <a:ext cx="0" cy="0"/>
+          <a:chOff x="0" y="0"/>
+          <a:chExt cx="0" cy="0"/>
+        </a:xfrm>
+      </p:grpSpPr>
+      <p:sp>
+        <p:nvSpPr>
+          <p:cNvPr id="4" name="TextBox 3">
+            <a:extLst>
+              <a:ext uri="{FF2B5EF4-FFF2-40B4-BE49-F238E27FC236}">
+                <a16:creationId xmlns:a16="http://schemas.microsoft.com/office/drawing/2014/main" id="{BFB6AD76-55A4-42F1-BDD4-0481EEB8FD77}"/>
+              </a:ext>
+            </a:extLst>
+          </p:cNvPr>
+          <p:cNvSpPr txBox="1"/>
+          <p:nvPr/>
+        </p:nvSpPr>
+        <p:spPr>
+          <a:xfrm>
+            <a:off x="2462189" y="2025061"/>
+            <a:ext cx="298853" cy="369332"/>
+          </a:xfrm>
+          <a:prstGeom prst="rect">
+            <a:avLst/>
+          </a:prstGeom>
+          <a:noFill/>
+        </p:spPr>
+        <p:txBody>
+          <a:bodyPr wrap="square" rtlCol="0">
+            <a:spAutoFit/>
+          </a:bodyPr>
+          <a:lstStyle/>
+          <a:p>
+            <a:r>
+              <a:rPr lang="en-US" dirty="0"/>
+              <a:t>2</a:t>
+            </a:r>
+          </a:p>
+        </p:txBody>
+      </p:sp>
+      <p:sp>
+        <p:nvSpPr>
+          <p:cNvPr id="5" name="TextBox 4">
+            <a:extLst>
+              <a:ext uri="{FF2B5EF4-FFF2-40B4-BE49-F238E27FC236}">
+                <a16:creationId xmlns:a16="http://schemas.microsoft.com/office/drawing/2014/main" id="{2509109B-408A-41AC-8181-EB4CC266E3AF}"/>
+              </a:ext>
+            </a:extLst>
+          </p:cNvPr>
+          <p:cNvSpPr txBox="1"/>
+          <p:nvPr/>
+        </p:nvSpPr>
+        <p:spPr>
+          <a:xfrm>
+            <a:off x="2761042" y="2025061"/>
+            <a:ext cx="298853" cy="369332"/>
+          </a:xfrm>
+          <a:prstGeom prst="rect">
+            <a:avLst/>
+          </a:prstGeom>
+          <a:noFill/>
+        </p:spPr>
+        <p:txBody>
+          <a:bodyPr wrap="square" rtlCol="0">
+            <a:spAutoFit/>
+          </a:bodyPr>
+          <a:lstStyle/>
+          <a:p>
+            <a:r>
+              <a:rPr lang="en-US" dirty="0"/>
+              <a:t>4</a:t>
+            </a:r>
+          </a:p>
+        </p:txBody>
+      </p:sp>
+      <p:sp>
+        <p:nvSpPr>
+          <p:cNvPr id="6" name="TextBox 5">
+            <a:extLst>
+              <a:ext uri="{FF2B5EF4-FFF2-40B4-BE49-F238E27FC236}">
+                <a16:creationId xmlns:a16="http://schemas.microsoft.com/office/drawing/2014/main" id="{08841BB0-8582-4044-9205-188772C19B5F}"/>
+              </a:ext>
+            </a:extLst>
+          </p:cNvPr>
+          <p:cNvSpPr txBox="1"/>
+          <p:nvPr/>
+        </p:nvSpPr>
+        <p:spPr>
+          <a:xfrm>
+            <a:off x="3059895" y="2025061"/>
+            <a:ext cx="298853" cy="369332"/>
+          </a:xfrm>
+          <a:prstGeom prst="rect">
+            <a:avLst/>
+          </a:prstGeom>
+          <a:noFill/>
+        </p:spPr>
+        <p:txBody>
+          <a:bodyPr wrap="square" rtlCol="0">
+            <a:spAutoFit/>
+          </a:bodyPr>
+          <a:lstStyle/>
+          <a:p>
+            <a:r>
+              <a:rPr lang="en-US" dirty="0"/>
+              <a:t>6</a:t>
+            </a:r>
+          </a:p>
+        </p:txBody>
+      </p:sp>
+      <p:sp>
+        <p:nvSpPr>
+          <p:cNvPr id="7" name="TextBox 6">
+            <a:extLst>
+              <a:ext uri="{FF2B5EF4-FFF2-40B4-BE49-F238E27FC236}">
+                <a16:creationId xmlns:a16="http://schemas.microsoft.com/office/drawing/2014/main" id="{B382EAB2-A5A3-469B-ACE5-D7886EF48E3F}"/>
+              </a:ext>
+            </a:extLst>
+          </p:cNvPr>
+          <p:cNvSpPr txBox="1"/>
+          <p:nvPr/>
+        </p:nvSpPr>
+        <p:spPr>
+          <a:xfrm>
+            <a:off x="3358748" y="2025061"/>
+            <a:ext cx="298853" cy="369332"/>
+          </a:xfrm>
+          <a:prstGeom prst="rect">
+            <a:avLst/>
+          </a:prstGeom>
+          <a:noFill/>
+        </p:spPr>
+        <p:txBody>
+          <a:bodyPr wrap="square" rtlCol="0">
+            <a:spAutoFit/>
+          </a:bodyPr>
+          <a:lstStyle/>
+          <a:p>
+            <a:r>
+              <a:rPr lang="en-US" dirty="0"/>
+              <a:t>8</a:t>
+            </a:r>
+          </a:p>
+        </p:txBody>
+      </p:sp>
+      <p:sp>
+        <p:nvSpPr>
+          <p:cNvPr id="8" name="TextBox 7">
+            <a:extLst>
+              <a:ext uri="{FF2B5EF4-FFF2-40B4-BE49-F238E27FC236}">
+                <a16:creationId xmlns:a16="http://schemas.microsoft.com/office/drawing/2014/main" id="{176E0094-BCA1-4EAA-A959-0D84188C6811}"/>
+              </a:ext>
+            </a:extLst>
+          </p:cNvPr>
+          <p:cNvSpPr txBox="1"/>
+          <p:nvPr/>
+        </p:nvSpPr>
+        <p:spPr>
+          <a:xfrm>
+            <a:off x="3657601" y="2025061"/>
+            <a:ext cx="419285" cy="369332"/>
+          </a:xfrm>
+          <a:prstGeom prst="rect">
+            <a:avLst/>
+          </a:prstGeom>
+          <a:noFill/>
+        </p:spPr>
+        <p:txBody>
+          <a:bodyPr wrap="square" rtlCol="0">
+            <a:spAutoFit/>
+          </a:bodyPr>
+          <a:lstStyle/>
+          <a:p>
+            <a:r>
+              <a:rPr lang="en-US" dirty="0"/>
+              <a:t>10</a:t>
+            </a:r>
+          </a:p>
+        </p:txBody>
+      </p:sp>
+      <p:sp>
+        <p:nvSpPr>
+          <p:cNvPr id="10" name="Flowchart: Process 9">
+            <a:extLst>
+              <a:ext uri="{FF2B5EF4-FFF2-40B4-BE49-F238E27FC236}">
+                <a16:creationId xmlns:a16="http://schemas.microsoft.com/office/drawing/2014/main" id="{55667897-94F1-4C90-833C-A00C57F9A552}"/>
+              </a:ext>
+            </a:extLst>
+          </p:cNvPr>
+          <p:cNvSpPr/>
+          <p:nvPr/>
+        </p:nvSpPr>
+        <p:spPr>
+          <a:xfrm>
+            <a:off x="1373831" y="3546088"/>
+            <a:ext cx="780586" cy="2306072"/>
+          </a:xfrm>
+          <a:prstGeom prst="flowChartProcess">
+            <a:avLst/>
+          </a:prstGeom>
+          <a:noFill/>
+        </p:spPr>
+        <p:style>
+          <a:lnRef idx="2">
+            <a:schemeClr val="accent1">
+              <a:shade val="50000"/>
+            </a:schemeClr>
+          </a:lnRef>
+          <a:fillRef idx="1">
+            <a:schemeClr val="accent1"/>
+          </a:fillRef>
+          <a:effectRef idx="0">
+            <a:schemeClr val="accent1"/>
+          </a:effectRef>
+          <a:fontRef idx="minor">
+            <a:schemeClr val="lt1"/>
+          </a:fontRef>
+        </p:style>
+        <p:txBody>
+          <a:bodyPr rtlCol="0" anchor="ctr"/>
+          <a:lstStyle/>
+          <a:p>
+            <a:pPr algn="ctr"/>
+            <a:endParaRPr lang="en-US" dirty="0"/>
+          </a:p>
+        </p:txBody>
+      </p:sp>
+      <p:sp>
+        <p:nvSpPr>
+          <p:cNvPr id="12" name="TextBox 11">
+            <a:extLst>
+              <a:ext uri="{FF2B5EF4-FFF2-40B4-BE49-F238E27FC236}">
+                <a16:creationId xmlns:a16="http://schemas.microsoft.com/office/drawing/2014/main" id="{2866DE16-33BA-41E8-9B6C-36176B917C77}"/>
+              </a:ext>
+            </a:extLst>
+          </p:cNvPr>
+          <p:cNvSpPr txBox="1"/>
+          <p:nvPr/>
+        </p:nvSpPr>
+        <p:spPr>
+          <a:xfrm>
+            <a:off x="1442967" y="5393174"/>
+            <a:ext cx="640081" cy="369332"/>
+          </a:xfrm>
+          <a:prstGeom prst="rect">
+            <a:avLst/>
+          </a:prstGeom>
+          <a:noFill/>
+        </p:spPr>
+        <p:txBody>
+          <a:bodyPr wrap="square" rtlCol="0">
+            <a:spAutoFit/>
+          </a:bodyPr>
+          <a:lstStyle/>
+          <a:p>
+            <a:r>
+              <a:rPr lang="en-US" dirty="0"/>
+              <a:t>2: 1</a:t>
+            </a:r>
+          </a:p>
+        </p:txBody>
+      </p:sp>
+      <p:sp>
+        <p:nvSpPr>
+          <p:cNvPr id="13" name="Flowchart: Process 12">
+            <a:extLst>
+              <a:ext uri="{FF2B5EF4-FFF2-40B4-BE49-F238E27FC236}">
+                <a16:creationId xmlns:a16="http://schemas.microsoft.com/office/drawing/2014/main" id="{3B94919F-955D-4D0C-A8F0-38D1A67F0531}"/>
+              </a:ext>
+            </a:extLst>
+          </p:cNvPr>
+          <p:cNvSpPr/>
+          <p:nvPr/>
+        </p:nvSpPr>
+        <p:spPr>
+          <a:xfrm>
+            <a:off x="2542485" y="3546088"/>
+            <a:ext cx="814040" cy="2306072"/>
+          </a:xfrm>
+          <a:prstGeom prst="flowChartProcess">
+            <a:avLst/>
+          </a:prstGeom>
+          <a:noFill/>
+        </p:spPr>
+        <p:style>
+          <a:lnRef idx="2">
+            <a:schemeClr val="accent1">
+              <a:shade val="50000"/>
+            </a:schemeClr>
+          </a:lnRef>
+          <a:fillRef idx="1">
+            <a:schemeClr val="accent1"/>
+          </a:fillRef>
+          <a:effectRef idx="0">
+            <a:schemeClr val="accent1"/>
+          </a:effectRef>
+          <a:fontRef idx="minor">
+            <a:schemeClr val="lt1"/>
+          </a:fontRef>
+        </p:style>
+        <p:txBody>
+          <a:bodyPr rtlCol="0" anchor="ctr"/>
+          <a:lstStyle/>
+          <a:p>
+            <a:pPr algn="ctr"/>
+            <a:endParaRPr lang="en-US" dirty="0"/>
+          </a:p>
+        </p:txBody>
+      </p:sp>
+      <p:sp>
+        <p:nvSpPr>
+          <p:cNvPr id="14" name="TextBox 13">
+            <a:extLst>
+              <a:ext uri="{FF2B5EF4-FFF2-40B4-BE49-F238E27FC236}">
+                <a16:creationId xmlns:a16="http://schemas.microsoft.com/office/drawing/2014/main" id="{08C35731-8B28-4D43-A948-D2E7664DFE23}"/>
+              </a:ext>
+            </a:extLst>
+          </p:cNvPr>
+          <p:cNvSpPr txBox="1"/>
+          <p:nvPr/>
+        </p:nvSpPr>
+        <p:spPr>
+          <a:xfrm>
+            <a:off x="2611622" y="5393174"/>
+            <a:ext cx="622238" cy="369332"/>
+          </a:xfrm>
+          <a:prstGeom prst="rect">
+            <a:avLst/>
+          </a:prstGeom>
+          <a:noFill/>
+        </p:spPr>
+        <p:txBody>
+          <a:bodyPr wrap="square" rtlCol="0">
+            <a:spAutoFit/>
+          </a:bodyPr>
+          <a:lstStyle/>
+          <a:p>
+            <a:r>
+              <a:rPr lang="en-US" dirty="0"/>
+              <a:t>2: 2</a:t>
+            </a:r>
+          </a:p>
+        </p:txBody>
+      </p:sp>
+      <p:sp>
+        <p:nvSpPr>
+          <p:cNvPr id="15" name="Flowchart: Process 14">
+            <a:extLst>
+              <a:ext uri="{FF2B5EF4-FFF2-40B4-BE49-F238E27FC236}">
+                <a16:creationId xmlns:a16="http://schemas.microsoft.com/office/drawing/2014/main" id="{61DEA6B1-942D-4799-AA06-3A974A0A6601}"/>
+              </a:ext>
+            </a:extLst>
+          </p:cNvPr>
+          <p:cNvSpPr/>
+          <p:nvPr/>
+        </p:nvSpPr>
+        <p:spPr>
+          <a:xfrm>
+            <a:off x="3682131" y="3546088"/>
+            <a:ext cx="814040" cy="2306072"/>
+          </a:xfrm>
+          <a:prstGeom prst="flowChartProcess">
+            <a:avLst/>
+          </a:prstGeom>
+          <a:noFill/>
+        </p:spPr>
+        <p:style>
+          <a:lnRef idx="2">
+            <a:schemeClr val="accent1">
+              <a:shade val="50000"/>
+            </a:schemeClr>
+          </a:lnRef>
+          <a:fillRef idx="1">
+            <a:schemeClr val="accent1"/>
+          </a:fillRef>
+          <a:effectRef idx="0">
+            <a:schemeClr val="accent1"/>
+          </a:effectRef>
+          <a:fontRef idx="minor">
+            <a:schemeClr val="lt1"/>
+          </a:fontRef>
+        </p:style>
+        <p:txBody>
+          <a:bodyPr rtlCol="0" anchor="ctr"/>
+          <a:lstStyle/>
+          <a:p>
+            <a:pPr algn="ctr"/>
+            <a:endParaRPr lang="en-US" dirty="0"/>
+          </a:p>
+        </p:txBody>
+      </p:sp>
+      <p:sp>
+        <p:nvSpPr>
+          <p:cNvPr id="16" name="TextBox 15">
+            <a:extLst>
+              <a:ext uri="{FF2B5EF4-FFF2-40B4-BE49-F238E27FC236}">
+                <a16:creationId xmlns:a16="http://schemas.microsoft.com/office/drawing/2014/main" id="{F9C611FB-A13D-409E-8652-4C79A9CE2ECE}"/>
+              </a:ext>
+            </a:extLst>
+          </p:cNvPr>
+          <p:cNvSpPr txBox="1"/>
+          <p:nvPr/>
+        </p:nvSpPr>
+        <p:spPr>
+          <a:xfrm>
+            <a:off x="3751268" y="5393174"/>
+            <a:ext cx="622238" cy="369332"/>
+          </a:xfrm>
+          <a:prstGeom prst="rect">
+            <a:avLst/>
+          </a:prstGeom>
+          <a:noFill/>
+        </p:spPr>
+        <p:txBody>
+          <a:bodyPr wrap="square" rtlCol="0">
+            <a:spAutoFit/>
+          </a:bodyPr>
+          <a:lstStyle/>
+          <a:p>
+            <a:r>
+              <a:rPr lang="en-US" dirty="0"/>
+              <a:t>2: 3</a:t>
+            </a:r>
+          </a:p>
+        </p:txBody>
+      </p:sp>
+      <p:sp>
+        <p:nvSpPr>
+          <p:cNvPr id="17" name="TextBox 16">
+            <a:extLst>
+              <a:ext uri="{FF2B5EF4-FFF2-40B4-BE49-F238E27FC236}">
+                <a16:creationId xmlns:a16="http://schemas.microsoft.com/office/drawing/2014/main" id="{0D9D940F-379E-41C8-9048-4F822599BE1C}"/>
+              </a:ext>
+            </a:extLst>
+          </p:cNvPr>
+          <p:cNvSpPr txBox="1"/>
+          <p:nvPr/>
+        </p:nvSpPr>
+        <p:spPr>
+          <a:xfrm>
+            <a:off x="3765767" y="5087631"/>
+            <a:ext cx="622238" cy="369332"/>
+          </a:xfrm>
+          <a:prstGeom prst="rect">
+            <a:avLst/>
+          </a:prstGeom>
+          <a:noFill/>
+        </p:spPr>
+        <p:txBody>
+          <a:bodyPr wrap="square" rtlCol="0">
+            <a:spAutoFit/>
+          </a:bodyPr>
+          <a:lstStyle/>
+          <a:p>
+            <a:r>
+              <a:rPr lang="en-US" dirty="0"/>
+              <a:t>4: 2</a:t>
+            </a:r>
+          </a:p>
+        </p:txBody>
+      </p:sp>
+      <p:sp>
+        <p:nvSpPr>
+          <p:cNvPr id="18" name="TextBox 17">
+            <a:extLst>
+              <a:ext uri="{FF2B5EF4-FFF2-40B4-BE49-F238E27FC236}">
+                <a16:creationId xmlns:a16="http://schemas.microsoft.com/office/drawing/2014/main" id="{0495A417-D495-4BE0-9096-73135141A563}"/>
+              </a:ext>
+            </a:extLst>
+          </p:cNvPr>
+          <p:cNvSpPr txBox="1"/>
+          <p:nvPr/>
+        </p:nvSpPr>
+        <p:spPr>
+          <a:xfrm>
+            <a:off x="2638386" y="5046145"/>
+            <a:ext cx="622238" cy="369332"/>
+          </a:xfrm>
+          <a:prstGeom prst="rect">
+            <a:avLst/>
+          </a:prstGeom>
+          <a:noFill/>
+        </p:spPr>
+        <p:txBody>
+          <a:bodyPr wrap="square" rtlCol="0">
+            <a:spAutoFit/>
+          </a:bodyPr>
+          <a:lstStyle/>
+          <a:p>
+            <a:r>
+              <a:rPr lang="en-US" dirty="0"/>
+              <a:t>4: 1</a:t>
+            </a:r>
+          </a:p>
+        </p:txBody>
+      </p:sp>
+      <p:sp>
+        <p:nvSpPr>
+          <p:cNvPr id="20" name="TextBox 19">
+            <a:extLst>
+              <a:ext uri="{FF2B5EF4-FFF2-40B4-BE49-F238E27FC236}">
+                <a16:creationId xmlns:a16="http://schemas.microsoft.com/office/drawing/2014/main" id="{08473EC7-1808-40BA-A27C-F11A7AA57E5C}"/>
+              </a:ext>
+            </a:extLst>
+          </p:cNvPr>
+          <p:cNvSpPr txBox="1"/>
+          <p:nvPr/>
+        </p:nvSpPr>
+        <p:spPr>
+          <a:xfrm>
+            <a:off x="3765767" y="4782088"/>
+            <a:ext cx="622238" cy="369332"/>
+          </a:xfrm>
+          <a:prstGeom prst="rect">
+            <a:avLst/>
+          </a:prstGeom>
+          <a:noFill/>
+        </p:spPr>
+        <p:txBody>
+          <a:bodyPr wrap="square" rtlCol="0">
+            <a:spAutoFit/>
+          </a:bodyPr>
+          <a:lstStyle/>
+          <a:p>
+            <a:r>
+              <a:rPr lang="en-US" dirty="0"/>
+              <a:t>6: 1</a:t>
+            </a:r>
+          </a:p>
+        </p:txBody>
+      </p:sp>
+      <p:sp>
+        <p:nvSpPr>
+          <p:cNvPr id="21" name="Flowchart: Process 20">
+            <a:extLst>
+              <a:ext uri="{FF2B5EF4-FFF2-40B4-BE49-F238E27FC236}">
+                <a16:creationId xmlns:a16="http://schemas.microsoft.com/office/drawing/2014/main" id="{A2E2A677-7266-4644-9EA7-D97C27E7636B}"/>
+              </a:ext>
+            </a:extLst>
+          </p:cNvPr>
+          <p:cNvSpPr/>
+          <p:nvPr/>
+        </p:nvSpPr>
+        <p:spPr>
+          <a:xfrm>
+            <a:off x="4762312" y="3546088"/>
+            <a:ext cx="814040" cy="2306072"/>
+          </a:xfrm>
+          <a:prstGeom prst="flowChartProcess">
+            <a:avLst/>
+          </a:prstGeom>
+          <a:noFill/>
+        </p:spPr>
+        <p:style>
+          <a:lnRef idx="2">
+            <a:schemeClr val="accent1">
+              <a:shade val="50000"/>
+            </a:schemeClr>
+          </a:lnRef>
+          <a:fillRef idx="1">
+            <a:schemeClr val="accent1"/>
+          </a:fillRef>
+          <a:effectRef idx="0">
+            <a:schemeClr val="accent1"/>
+          </a:effectRef>
+          <a:fontRef idx="minor">
+            <a:schemeClr val="lt1"/>
+          </a:fontRef>
+        </p:style>
+        <p:txBody>
+          <a:bodyPr rtlCol="0" anchor="ctr"/>
+          <a:lstStyle/>
+          <a:p>
+            <a:pPr algn="ctr"/>
+            <a:endParaRPr lang="en-US" dirty="0"/>
+          </a:p>
+        </p:txBody>
+      </p:sp>
+      <p:sp>
+        <p:nvSpPr>
+          <p:cNvPr id="22" name="TextBox 21">
+            <a:extLst>
+              <a:ext uri="{FF2B5EF4-FFF2-40B4-BE49-F238E27FC236}">
+                <a16:creationId xmlns:a16="http://schemas.microsoft.com/office/drawing/2014/main" id="{67CD5B01-DA52-4C63-8409-66E4DE5BFD2A}"/>
+              </a:ext>
+            </a:extLst>
+          </p:cNvPr>
+          <p:cNvSpPr txBox="1"/>
+          <p:nvPr/>
+        </p:nvSpPr>
+        <p:spPr>
+          <a:xfrm>
+            <a:off x="4831449" y="5393174"/>
+            <a:ext cx="622238" cy="369332"/>
+          </a:xfrm>
+          <a:prstGeom prst="rect">
+            <a:avLst/>
+          </a:prstGeom>
+          <a:noFill/>
+        </p:spPr>
+        <p:txBody>
+          <a:bodyPr wrap="square" rtlCol="0">
+            <a:spAutoFit/>
+          </a:bodyPr>
+          <a:lstStyle/>
+          <a:p>
+            <a:r>
+              <a:rPr lang="en-US" dirty="0"/>
+              <a:t>2: 4</a:t>
+            </a:r>
+          </a:p>
+        </p:txBody>
+      </p:sp>
+      <p:sp>
+        <p:nvSpPr>
+          <p:cNvPr id="23" name="TextBox 22">
+            <a:extLst>
+              <a:ext uri="{FF2B5EF4-FFF2-40B4-BE49-F238E27FC236}">
+                <a16:creationId xmlns:a16="http://schemas.microsoft.com/office/drawing/2014/main" id="{35C50B7E-2804-475F-9304-F0CD9534F4ED}"/>
+              </a:ext>
+            </a:extLst>
+          </p:cNvPr>
+          <p:cNvSpPr txBox="1"/>
+          <p:nvPr/>
+        </p:nvSpPr>
+        <p:spPr>
+          <a:xfrm>
+            <a:off x="4845948" y="5087631"/>
+            <a:ext cx="622238" cy="369332"/>
+          </a:xfrm>
+          <a:prstGeom prst="rect">
+            <a:avLst/>
+          </a:prstGeom>
+          <a:noFill/>
+        </p:spPr>
+        <p:txBody>
+          <a:bodyPr wrap="square" rtlCol="0">
+            <a:spAutoFit/>
+          </a:bodyPr>
+          <a:lstStyle/>
+          <a:p>
+            <a:r>
+              <a:rPr lang="en-US" dirty="0"/>
+              <a:t>4: 3</a:t>
+            </a:r>
+          </a:p>
+        </p:txBody>
+      </p:sp>
+      <p:sp>
+        <p:nvSpPr>
+          <p:cNvPr id="24" name="TextBox 23">
+            <a:extLst>
+              <a:ext uri="{FF2B5EF4-FFF2-40B4-BE49-F238E27FC236}">
+                <a16:creationId xmlns:a16="http://schemas.microsoft.com/office/drawing/2014/main" id="{36E1EF7D-116E-436A-9102-8718EC27EB41}"/>
+              </a:ext>
+            </a:extLst>
+          </p:cNvPr>
+          <p:cNvSpPr txBox="1"/>
+          <p:nvPr/>
+        </p:nvSpPr>
+        <p:spPr>
+          <a:xfrm>
+            <a:off x="4845948" y="4782088"/>
+            <a:ext cx="622238" cy="369332"/>
+          </a:xfrm>
+          <a:prstGeom prst="rect">
+            <a:avLst/>
+          </a:prstGeom>
+          <a:noFill/>
+        </p:spPr>
+        <p:txBody>
+          <a:bodyPr wrap="square" rtlCol="0">
+            <a:spAutoFit/>
+          </a:bodyPr>
+          <a:lstStyle/>
+          <a:p>
+            <a:r>
+              <a:rPr lang="en-US" dirty="0"/>
+              <a:t>6: 2</a:t>
+            </a:r>
+          </a:p>
+        </p:txBody>
+      </p:sp>
+      <p:sp>
+        <p:nvSpPr>
+          <p:cNvPr id="25" name="TextBox 24">
+            <a:extLst>
+              <a:ext uri="{FF2B5EF4-FFF2-40B4-BE49-F238E27FC236}">
+                <a16:creationId xmlns:a16="http://schemas.microsoft.com/office/drawing/2014/main" id="{1D72142E-C97C-45A0-84CE-67C210AF1C23}"/>
+              </a:ext>
+            </a:extLst>
+          </p:cNvPr>
+          <p:cNvSpPr txBox="1"/>
+          <p:nvPr/>
+        </p:nvSpPr>
+        <p:spPr>
+          <a:xfrm>
+            <a:off x="4833669" y="4476545"/>
+            <a:ext cx="622238" cy="369332"/>
+          </a:xfrm>
+          <a:prstGeom prst="rect">
+            <a:avLst/>
+          </a:prstGeom>
+          <a:noFill/>
+        </p:spPr>
+        <p:txBody>
+          <a:bodyPr wrap="square" rtlCol="0">
+            <a:spAutoFit/>
+          </a:bodyPr>
+          <a:lstStyle/>
+          <a:p>
+            <a:r>
+              <a:rPr lang="en-US" dirty="0"/>
+              <a:t>8: 1</a:t>
+            </a:r>
+          </a:p>
+        </p:txBody>
+      </p:sp>
+      <p:cxnSp>
+        <p:nvCxnSpPr>
+          <p:cNvPr id="27" name="Straight Arrow Connector 26">
+            <a:extLst>
+              <a:ext uri="{FF2B5EF4-FFF2-40B4-BE49-F238E27FC236}">
+                <a16:creationId xmlns:a16="http://schemas.microsoft.com/office/drawing/2014/main" id="{B77EABC7-9164-4B8D-8D7E-0FBE434AF373}"/>
+              </a:ext>
+            </a:extLst>
+          </p:cNvPr>
+          <p:cNvCxnSpPr>
+            <a:stCxn id="5" idx="2"/>
+          </p:cNvCxnSpPr>
+          <p:nvPr/>
+        </p:nvCxnSpPr>
+        <p:spPr>
+          <a:xfrm flipH="1">
+            <a:off x="2047364" y="2394393"/>
+            <a:ext cx="863105" cy="1034607"/>
+          </a:xfrm>
+          <a:prstGeom prst="straightConnector1">
+            <a:avLst/>
+          </a:prstGeom>
+          <a:ln>
+            <a:tailEnd type="triangle"/>
+          </a:ln>
+        </p:spPr>
+        <p:style>
+          <a:lnRef idx="1">
+            <a:schemeClr val="accent1"/>
+          </a:lnRef>
+          <a:fillRef idx="0">
+            <a:schemeClr val="accent1"/>
+          </a:fillRef>
+          <a:effectRef idx="0">
+            <a:schemeClr val="accent1"/>
+          </a:effectRef>
+          <a:fontRef idx="minor">
+            <a:schemeClr val="tx1"/>
+          </a:fontRef>
+        </p:style>
+      </p:cxnSp>
+      <p:cxnSp>
+        <p:nvCxnSpPr>
+          <p:cNvPr id="29" name="Straight Arrow Connector 28">
+            <a:extLst>
+              <a:ext uri="{FF2B5EF4-FFF2-40B4-BE49-F238E27FC236}">
+                <a16:creationId xmlns:a16="http://schemas.microsoft.com/office/drawing/2014/main" id="{4F6EE0E0-59FA-4F96-AAFE-0FEA33AB0010}"/>
+              </a:ext>
+            </a:extLst>
+          </p:cNvPr>
+          <p:cNvCxnSpPr>
+            <a:stCxn id="6" idx="2"/>
+          </p:cNvCxnSpPr>
+          <p:nvPr/>
+        </p:nvCxnSpPr>
+        <p:spPr>
+          <a:xfrm flipH="1">
+            <a:off x="3076622" y="2394393"/>
+            <a:ext cx="132700" cy="1034607"/>
+          </a:xfrm>
+          <a:prstGeom prst="straightConnector1">
+            <a:avLst/>
+          </a:prstGeom>
+          <a:ln>
+            <a:tailEnd type="triangle"/>
+          </a:ln>
+        </p:spPr>
+        <p:style>
+          <a:lnRef idx="1">
+            <a:schemeClr val="accent1"/>
+          </a:lnRef>
+          <a:fillRef idx="0">
+            <a:schemeClr val="accent1"/>
+          </a:fillRef>
+          <a:effectRef idx="0">
+            <a:schemeClr val="accent1"/>
+          </a:effectRef>
+          <a:fontRef idx="minor">
+            <a:schemeClr val="tx1"/>
+          </a:fontRef>
+        </p:style>
+      </p:cxnSp>
+      <p:cxnSp>
+        <p:nvCxnSpPr>
+          <p:cNvPr id="31" name="Straight Arrow Connector 30">
+            <a:extLst>
+              <a:ext uri="{FF2B5EF4-FFF2-40B4-BE49-F238E27FC236}">
+                <a16:creationId xmlns:a16="http://schemas.microsoft.com/office/drawing/2014/main" id="{2E2B7F5A-DCA2-4DBF-AE25-8F8FDE54733D}"/>
+              </a:ext>
+            </a:extLst>
+          </p:cNvPr>
+          <p:cNvCxnSpPr>
+            <a:stCxn id="7" idx="2"/>
+          </p:cNvCxnSpPr>
+          <p:nvPr/>
+        </p:nvCxnSpPr>
+        <p:spPr>
+          <a:xfrm>
+            <a:off x="3508175" y="2394393"/>
+            <a:ext cx="483962" cy="1034607"/>
+          </a:xfrm>
+          <a:prstGeom prst="straightConnector1">
+            <a:avLst/>
+          </a:prstGeom>
+          <a:ln>
+            <a:tailEnd type="triangle"/>
+          </a:ln>
+        </p:spPr>
+        <p:style>
+          <a:lnRef idx="1">
+            <a:schemeClr val="accent1"/>
+          </a:lnRef>
+          <a:fillRef idx="0">
+            <a:schemeClr val="accent1"/>
+          </a:fillRef>
+          <a:effectRef idx="0">
+            <a:schemeClr val="accent1"/>
+          </a:effectRef>
+          <a:fontRef idx="minor">
+            <a:schemeClr val="tx1"/>
+          </a:fontRef>
+        </p:style>
+      </p:cxnSp>
+      <p:cxnSp>
+        <p:nvCxnSpPr>
+          <p:cNvPr id="33" name="Straight Arrow Connector 32">
+            <a:extLst>
+              <a:ext uri="{FF2B5EF4-FFF2-40B4-BE49-F238E27FC236}">
+                <a16:creationId xmlns:a16="http://schemas.microsoft.com/office/drawing/2014/main" id="{B8C4F537-8755-48A6-AEC9-2D3EDDA5D7D9}"/>
+              </a:ext>
+            </a:extLst>
+          </p:cNvPr>
+          <p:cNvCxnSpPr>
+            <a:stCxn id="8" idx="2"/>
+          </p:cNvCxnSpPr>
+          <p:nvPr/>
+        </p:nvCxnSpPr>
+        <p:spPr>
+          <a:xfrm>
+            <a:off x="3867244" y="2394393"/>
+            <a:ext cx="1289823" cy="1034607"/>
+          </a:xfrm>
+          <a:prstGeom prst="straightConnector1">
+            <a:avLst/>
+          </a:prstGeom>
+          <a:ln>
+            <a:tailEnd type="triangle"/>
+          </a:ln>
+        </p:spPr>
+        <p:style>
+          <a:lnRef idx="1">
+            <a:schemeClr val="accent1"/>
+          </a:lnRef>
+          <a:fillRef idx="0">
+            <a:schemeClr val="accent1"/>
+          </a:fillRef>
+          <a:effectRef idx="0">
+            <a:schemeClr val="accent1"/>
+          </a:effectRef>
+          <a:fontRef idx="minor">
+            <a:schemeClr val="tx1"/>
+          </a:fontRef>
+        </p:style>
+      </p:cxnSp>
+      <p:sp>
+        <p:nvSpPr>
+          <p:cNvPr id="34" name="TextBox 33">
+            <a:extLst>
+              <a:ext uri="{FF2B5EF4-FFF2-40B4-BE49-F238E27FC236}">
+                <a16:creationId xmlns:a16="http://schemas.microsoft.com/office/drawing/2014/main" id="{2DF404D8-9596-4283-9F3A-21B35CC6AB1D}"/>
+              </a:ext>
+            </a:extLst>
+          </p:cNvPr>
+          <p:cNvSpPr txBox="1"/>
+          <p:nvPr/>
+        </p:nvSpPr>
+        <p:spPr>
+          <a:xfrm>
+            <a:off x="1833261" y="6093914"/>
+            <a:ext cx="2998188" cy="646331"/>
+          </a:xfrm>
+          <a:prstGeom prst="rect">
+            <a:avLst/>
+          </a:prstGeom>
+          <a:noFill/>
+        </p:spPr>
+        <p:txBody>
+          <a:bodyPr wrap="square" rtlCol="0">
+            <a:spAutoFit/>
+          </a:bodyPr>
+          <a:lstStyle/>
+          <a:p>
+            <a:r>
+              <a:rPr lang="en-US" dirty="0"/>
+              <a:t>Map: (key: difference;</a:t>
+            </a:r>
+          </a:p>
+          <a:p>
+            <a:r>
+              <a:rPr lang="en-US" dirty="0"/>
+              <a:t>Value: number of difference)</a:t>
+            </a:r>
+          </a:p>
+        </p:txBody>
+      </p:sp>
+    </p:spTree>
+    <p:extLst>
+      <p:ext uri="{BB962C8B-B14F-4D97-AF65-F5344CB8AC3E}">
+        <p14:creationId xmlns:p14="http://schemas.microsoft.com/office/powerpoint/2010/main" val="1791022863"/>
+      </p:ext>
+    </p:extLst>
+  </p:cSld>
+  <p:clrMapOvr>
+    <a:masterClrMapping/>
+  </p:clrMapOvr>
+</p:sld>
+</file>
+
 <file path=ppt/theme/theme1.xml><?xml version="1.0" encoding="utf-8"?>
 <a:theme xmlns:a="http://schemas.openxmlformats.org/drawingml/2006/main" name="Office Theme">
   <a:themeElements>

--- a/Animation.pptx
+++ b/Animation.pptx
@@ -8,6 +8,7 @@
     <p:sldId id="256" r:id="rId2"/>
     <p:sldId id="257" r:id="rId3"/>
     <p:sldId id="258" r:id="rId4"/>
+    <p:sldId id="259" r:id="rId5"/>
   </p:sldIdLst>
   <p:sldSz cx="12192000" cy="6858000"/>
   <p:notesSz cx="6858000" cy="9144000"/>
@@ -261,7 +262,7 @@
           <a:p>
             <a:fld id="{1498BA10-AD91-4098-951E-48B310B67AB5}" type="datetimeFigureOut">
               <a:rPr lang="en-US" smtClean="0"/>
-              <a:t>6/24/2021</a:t>
+              <a:t>6/25/2021</a:t>
             </a:fld>
             <a:endParaRPr lang="en-US"/>
           </a:p>
@@ -459,7 +460,7 @@
           <a:p>
             <a:fld id="{1498BA10-AD91-4098-951E-48B310B67AB5}" type="datetimeFigureOut">
               <a:rPr lang="en-US" smtClean="0"/>
-              <a:t>6/24/2021</a:t>
+              <a:t>6/25/2021</a:t>
             </a:fld>
             <a:endParaRPr lang="en-US"/>
           </a:p>
@@ -667,7 +668,7 @@
           <a:p>
             <a:fld id="{1498BA10-AD91-4098-951E-48B310B67AB5}" type="datetimeFigureOut">
               <a:rPr lang="en-US" smtClean="0"/>
-              <a:t>6/24/2021</a:t>
+              <a:t>6/25/2021</a:t>
             </a:fld>
             <a:endParaRPr lang="en-US"/>
           </a:p>
@@ -865,7 +866,7 @@
           <a:p>
             <a:fld id="{1498BA10-AD91-4098-951E-48B310B67AB5}" type="datetimeFigureOut">
               <a:rPr lang="en-US" smtClean="0"/>
-              <a:t>6/24/2021</a:t>
+              <a:t>6/25/2021</a:t>
             </a:fld>
             <a:endParaRPr lang="en-US"/>
           </a:p>
@@ -1140,7 +1141,7 @@
           <a:p>
             <a:fld id="{1498BA10-AD91-4098-951E-48B310B67AB5}" type="datetimeFigureOut">
               <a:rPr lang="en-US" smtClean="0"/>
-              <a:t>6/24/2021</a:t>
+              <a:t>6/25/2021</a:t>
             </a:fld>
             <a:endParaRPr lang="en-US"/>
           </a:p>
@@ -1405,7 +1406,7 @@
           <a:p>
             <a:fld id="{1498BA10-AD91-4098-951E-48B310B67AB5}" type="datetimeFigureOut">
               <a:rPr lang="en-US" smtClean="0"/>
-              <a:t>6/24/2021</a:t>
+              <a:t>6/25/2021</a:t>
             </a:fld>
             <a:endParaRPr lang="en-US"/>
           </a:p>
@@ -1817,7 +1818,7 @@
           <a:p>
             <a:fld id="{1498BA10-AD91-4098-951E-48B310B67AB5}" type="datetimeFigureOut">
               <a:rPr lang="en-US" smtClean="0"/>
-              <a:t>6/24/2021</a:t>
+              <a:t>6/25/2021</a:t>
             </a:fld>
             <a:endParaRPr lang="en-US"/>
           </a:p>
@@ -1958,7 +1959,7 @@
           <a:p>
             <a:fld id="{1498BA10-AD91-4098-951E-48B310B67AB5}" type="datetimeFigureOut">
               <a:rPr lang="en-US" smtClean="0"/>
-              <a:t>6/24/2021</a:t>
+              <a:t>6/25/2021</a:t>
             </a:fld>
             <a:endParaRPr lang="en-US"/>
           </a:p>
@@ -2071,7 +2072,7 @@
           <a:p>
             <a:fld id="{1498BA10-AD91-4098-951E-48B310B67AB5}" type="datetimeFigureOut">
               <a:rPr lang="en-US" smtClean="0"/>
-              <a:t>6/24/2021</a:t>
+              <a:t>6/25/2021</a:t>
             </a:fld>
             <a:endParaRPr lang="en-US"/>
           </a:p>
@@ -2382,7 +2383,7 @@
           <a:p>
             <a:fld id="{1498BA10-AD91-4098-951E-48B310B67AB5}" type="datetimeFigureOut">
               <a:rPr lang="en-US" smtClean="0"/>
-              <a:t>6/24/2021</a:t>
+              <a:t>6/25/2021</a:t>
             </a:fld>
             <a:endParaRPr lang="en-US"/>
           </a:p>
@@ -2670,7 +2671,7 @@
           <a:p>
             <a:fld id="{1498BA10-AD91-4098-951E-48B310B67AB5}" type="datetimeFigureOut">
               <a:rPr lang="en-US" smtClean="0"/>
-              <a:t>6/24/2021</a:t>
+              <a:t>6/25/2021</a:t>
             </a:fld>
             <a:endParaRPr lang="en-US"/>
           </a:p>
@@ -2911,7 +2912,7 @@
           <a:p>
             <a:fld id="{1498BA10-AD91-4098-951E-48B310B67AB5}" type="datetimeFigureOut">
               <a:rPr lang="en-US" smtClean="0"/>
-              <a:t>6/24/2021</a:t>
+              <a:t>6/25/2021</a:t>
             </a:fld>
             <a:endParaRPr lang="en-US"/>
           </a:p>
@@ -4579,6 +4580,166 @@
 </p:sld>
 </file>
 
+<file path=ppt/slides/slide4.xml><?xml version="1.0" encoding="utf-8"?>
+<p:sld xmlns:a="http://schemas.openxmlformats.org/drawingml/2006/main" xmlns:r="http://schemas.openxmlformats.org/officeDocument/2006/relationships" xmlns:p="http://schemas.openxmlformats.org/presentationml/2006/main">
+  <p:cSld>
+    <p:spTree>
+      <p:nvGrpSpPr>
+        <p:cNvPr id="1" name=""/>
+        <p:cNvGrpSpPr/>
+        <p:nvPr/>
+      </p:nvGrpSpPr>
+      <p:grpSpPr>
+        <a:xfrm>
+          <a:off x="0" y="0"/>
+          <a:ext cx="0" cy="0"/>
+          <a:chOff x="0" y="0"/>
+          <a:chExt cx="0" cy="0"/>
+        </a:xfrm>
+      </p:grpSpPr>
+      <p:pic>
+        <p:nvPicPr>
+          <p:cNvPr id="4" name="Picture 3">
+            <a:extLst>
+              <a:ext uri="{FF2B5EF4-FFF2-40B4-BE49-F238E27FC236}">
+                <a16:creationId xmlns:a16="http://schemas.microsoft.com/office/drawing/2014/main" id="{F9DA512D-CA9C-4CAF-9AA2-ABF42E6EBBDB}"/>
+              </a:ext>
+            </a:extLst>
+          </p:cNvPr>
+          <p:cNvPicPr>
+            <a:picLocks noChangeAspect="1"/>
+          </p:cNvPicPr>
+          <p:nvPr/>
+        </p:nvPicPr>
+        <p:blipFill>
+          <a:blip r:embed="rId2"/>
+          <a:stretch>
+            <a:fillRect/>
+          </a:stretch>
+        </p:blipFill>
+        <p:spPr>
+          <a:xfrm>
+            <a:off x="1028119" y="672094"/>
+            <a:ext cx="3213805" cy="784426"/>
+          </a:xfrm>
+          <a:prstGeom prst="rect">
+            <a:avLst/>
+          </a:prstGeom>
+        </p:spPr>
+      </p:pic>
+      <p:sp>
+        <p:nvSpPr>
+          <p:cNvPr id="5" name="TextBox 4">
+            <a:extLst>
+              <a:ext uri="{FF2B5EF4-FFF2-40B4-BE49-F238E27FC236}">
+                <a16:creationId xmlns:a16="http://schemas.microsoft.com/office/drawing/2014/main" id="{3EF25667-068B-4DA7-B819-583587A9E043}"/>
+              </a:ext>
+            </a:extLst>
+          </p:cNvPr>
+          <p:cNvSpPr txBox="1"/>
+          <p:nvPr/>
+        </p:nvSpPr>
+        <p:spPr>
+          <a:xfrm>
+            <a:off x="4518474" y="2747660"/>
+            <a:ext cx="2257007" cy="369332"/>
+          </a:xfrm>
+          <a:prstGeom prst="rect">
+            <a:avLst/>
+          </a:prstGeom>
+          <a:noFill/>
+        </p:spPr>
+        <p:txBody>
+          <a:bodyPr wrap="square" rtlCol="0">
+            <a:spAutoFit/>
+          </a:bodyPr>
+          <a:lstStyle/>
+          <a:p>
+            <a:r>
+              <a:rPr lang="en-US" dirty="0"/>
+              <a:t>Quick Union Structure</a:t>
+            </a:r>
+          </a:p>
+        </p:txBody>
+      </p:sp>
+      <p:pic>
+        <p:nvPicPr>
+          <p:cNvPr id="6" name="Picture 5">
+            <a:extLst>
+              <a:ext uri="{FF2B5EF4-FFF2-40B4-BE49-F238E27FC236}">
+                <a16:creationId xmlns:a16="http://schemas.microsoft.com/office/drawing/2014/main" id="{981E2CAD-37F8-4189-8EF6-8AFE6E431F98}"/>
+              </a:ext>
+            </a:extLst>
+          </p:cNvPr>
+          <p:cNvPicPr>
+            <a:picLocks noChangeAspect="1"/>
+          </p:cNvPicPr>
+          <p:nvPr/>
+        </p:nvPicPr>
+        <p:blipFill>
+          <a:blip r:embed="rId3"/>
+          <a:stretch>
+            <a:fillRect/>
+          </a:stretch>
+        </p:blipFill>
+        <p:spPr>
+          <a:xfrm>
+            <a:off x="1028119" y="1757432"/>
+            <a:ext cx="3324338" cy="2545196"/>
+          </a:xfrm>
+          <a:prstGeom prst="rect">
+            <a:avLst/>
+          </a:prstGeom>
+        </p:spPr>
+      </p:pic>
+      <p:sp>
+        <p:nvSpPr>
+          <p:cNvPr id="7" name="TextBox 6">
+            <a:extLst>
+              <a:ext uri="{FF2B5EF4-FFF2-40B4-BE49-F238E27FC236}">
+                <a16:creationId xmlns:a16="http://schemas.microsoft.com/office/drawing/2014/main" id="{893ADA00-3FD5-4C6A-9CE0-6E0ECB864EA7}"/>
+              </a:ext>
+            </a:extLst>
+          </p:cNvPr>
+          <p:cNvSpPr txBox="1"/>
+          <p:nvPr/>
+        </p:nvSpPr>
+        <p:spPr>
+          <a:xfrm>
+            <a:off x="4653032" y="932985"/>
+            <a:ext cx="2257007" cy="369332"/>
+          </a:xfrm>
+          <a:prstGeom prst="rect">
+            <a:avLst/>
+          </a:prstGeom>
+          <a:noFill/>
+        </p:spPr>
+        <p:txBody>
+          <a:bodyPr wrap="square" rtlCol="0">
+            <a:spAutoFit/>
+          </a:bodyPr>
+          <a:lstStyle/>
+          <a:p>
+            <a:r>
+              <a:rPr lang="en-US" dirty="0"/>
+              <a:t>Quick Find Structure</a:t>
+            </a:r>
+          </a:p>
+        </p:txBody>
+      </p:sp>
+    </p:spTree>
+    <p:extLst>
+      <p:ext uri="{BB962C8B-B14F-4D97-AF65-F5344CB8AC3E}">
+        <p14:creationId xmlns:p14="http://schemas.microsoft.com/office/powerpoint/2010/main" val="1856619649"/>
+      </p:ext>
+    </p:extLst>
+  </p:cSld>
+  <p:clrMapOvr>
+    <a:masterClrMapping/>
+  </p:clrMapOvr>
+</p:sld>
+</file>
+
 <file path=ppt/theme/theme1.xml><?xml version="1.0" encoding="utf-8"?>
 <a:theme xmlns:a="http://schemas.openxmlformats.org/drawingml/2006/main" name="Office Theme">
   <a:themeElements>

--- a/Animation.pptx
+++ b/Animation.pptx
@@ -4,11 +4,15 @@
   <p:sldMasterIdLst>
     <p:sldMasterId id="2147483648" r:id="rId1"/>
   </p:sldMasterIdLst>
+  <p:notesMasterIdLst>
+    <p:notesMasterId r:id="rId7"/>
+  </p:notesMasterIdLst>
   <p:sldIdLst>
     <p:sldId id="256" r:id="rId2"/>
     <p:sldId id="257" r:id="rId3"/>
     <p:sldId id="258" r:id="rId4"/>
     <p:sldId id="259" r:id="rId5"/>
+    <p:sldId id="260" r:id="rId6"/>
   </p:sldIdLst>
   <p:sldSz cx="12192000" cy="6858000"/>
   <p:notesSz cx="6858000" cy="9144000"/>
@@ -115,6 +119,439 @@
 </p:presentation>
 </file>
 
+<file path=ppt/notesMasters/notesMaster1.xml><?xml version="1.0" encoding="utf-8"?>
+<p:notesMaster xmlns:a="http://schemas.openxmlformats.org/drawingml/2006/main" xmlns:r="http://schemas.openxmlformats.org/officeDocument/2006/relationships" xmlns:p="http://schemas.openxmlformats.org/presentationml/2006/main">
+  <p:cSld>
+    <p:bg>
+      <p:bgRef idx="1001">
+        <a:schemeClr val="bg1"/>
+      </p:bgRef>
+    </p:bg>
+    <p:spTree>
+      <p:nvGrpSpPr>
+        <p:cNvPr id="1" name=""/>
+        <p:cNvGrpSpPr/>
+        <p:nvPr/>
+      </p:nvGrpSpPr>
+      <p:grpSpPr>
+        <a:xfrm>
+          <a:off x="0" y="0"/>
+          <a:ext cx="0" cy="0"/>
+          <a:chOff x="0" y="0"/>
+          <a:chExt cx="0" cy="0"/>
+        </a:xfrm>
+      </p:grpSpPr>
+      <p:sp>
+        <p:nvSpPr>
+          <p:cNvPr id="2" name="Header Placeholder 1"/>
+          <p:cNvSpPr>
+            <a:spLocks noGrp="1"/>
+          </p:cNvSpPr>
+          <p:nvPr>
+            <p:ph type="hdr" sz="quarter"/>
+          </p:nvPr>
+        </p:nvSpPr>
+        <p:spPr>
+          <a:xfrm>
+            <a:off x="0" y="0"/>
+            <a:ext cx="2971800" cy="458788"/>
+          </a:xfrm>
+          <a:prstGeom prst="rect">
+            <a:avLst/>
+          </a:prstGeom>
+        </p:spPr>
+        <p:txBody>
+          <a:bodyPr vert="horz" lIns="91440" tIns="45720" rIns="91440" bIns="45720" rtlCol="0"/>
+          <a:lstStyle>
+            <a:lvl1pPr algn="l">
+              <a:defRPr sz="1200"/>
+            </a:lvl1pPr>
+          </a:lstStyle>
+          <a:p>
+            <a:endParaRPr lang="en-US"/>
+          </a:p>
+        </p:txBody>
+      </p:sp>
+      <p:sp>
+        <p:nvSpPr>
+          <p:cNvPr id="3" name="Date Placeholder 2"/>
+          <p:cNvSpPr>
+            <a:spLocks noGrp="1"/>
+          </p:cNvSpPr>
+          <p:nvPr>
+            <p:ph type="dt" idx="1"/>
+          </p:nvPr>
+        </p:nvSpPr>
+        <p:spPr>
+          <a:xfrm>
+            <a:off x="3884613" y="0"/>
+            <a:ext cx="2971800" cy="458788"/>
+          </a:xfrm>
+          <a:prstGeom prst="rect">
+            <a:avLst/>
+          </a:prstGeom>
+        </p:spPr>
+        <p:txBody>
+          <a:bodyPr vert="horz" lIns="91440" tIns="45720" rIns="91440" bIns="45720" rtlCol="0"/>
+          <a:lstStyle>
+            <a:lvl1pPr algn="r">
+              <a:defRPr sz="1200"/>
+            </a:lvl1pPr>
+          </a:lstStyle>
+          <a:p>
+            <a:fld id="{044962B2-8A15-4EC0-869C-6A6E55FD3D21}" type="datetimeFigureOut">
+              <a:rPr lang="en-US" smtClean="0"/>
+              <a:t>7/12/2021</a:t>
+            </a:fld>
+            <a:endParaRPr lang="en-US"/>
+          </a:p>
+        </p:txBody>
+      </p:sp>
+      <p:sp>
+        <p:nvSpPr>
+          <p:cNvPr id="4" name="Slide Image Placeholder 3"/>
+          <p:cNvSpPr>
+            <a:spLocks noGrp="1" noRot="1" noChangeAspect="1"/>
+          </p:cNvSpPr>
+          <p:nvPr>
+            <p:ph type="sldImg" idx="2"/>
+          </p:nvPr>
+        </p:nvSpPr>
+        <p:spPr>
+          <a:xfrm>
+            <a:off x="685800" y="1143000"/>
+            <a:ext cx="5486400" cy="3086100"/>
+          </a:xfrm>
+          <a:prstGeom prst="rect">
+            <a:avLst/>
+          </a:prstGeom>
+          <a:noFill/>
+          <a:ln w="12700">
+            <a:solidFill>
+              <a:prstClr val="black"/>
+            </a:solidFill>
+          </a:ln>
+        </p:spPr>
+        <p:txBody>
+          <a:bodyPr vert="horz" lIns="91440" tIns="45720" rIns="91440" bIns="45720" rtlCol="0" anchor="ctr"/>
+          <a:lstStyle/>
+          <a:p>
+            <a:endParaRPr lang="en-US"/>
+          </a:p>
+        </p:txBody>
+      </p:sp>
+      <p:sp>
+        <p:nvSpPr>
+          <p:cNvPr id="5" name="Notes Placeholder 4"/>
+          <p:cNvSpPr>
+            <a:spLocks noGrp="1"/>
+          </p:cNvSpPr>
+          <p:nvPr>
+            <p:ph type="body" sz="quarter" idx="3"/>
+          </p:nvPr>
+        </p:nvSpPr>
+        <p:spPr>
+          <a:xfrm>
+            <a:off x="685800" y="4400550"/>
+            <a:ext cx="5486400" cy="3600450"/>
+          </a:xfrm>
+          <a:prstGeom prst="rect">
+            <a:avLst/>
+          </a:prstGeom>
+        </p:spPr>
+        <p:txBody>
+          <a:bodyPr vert="horz" lIns="91440" tIns="45720" rIns="91440" bIns="45720" rtlCol="0"/>
+          <a:lstStyle/>
+          <a:p>
+            <a:pPr lvl="0"/>
+            <a:r>
+              <a:rPr lang="en-US"/>
+              <a:t>Click to edit Master text styles</a:t>
+            </a:r>
+          </a:p>
+          <a:p>
+            <a:pPr lvl="1"/>
+            <a:r>
+              <a:rPr lang="en-US"/>
+              <a:t>Second level</a:t>
+            </a:r>
+          </a:p>
+          <a:p>
+            <a:pPr lvl="2"/>
+            <a:r>
+              <a:rPr lang="en-US"/>
+              <a:t>Third level</a:t>
+            </a:r>
+          </a:p>
+          <a:p>
+            <a:pPr lvl="3"/>
+            <a:r>
+              <a:rPr lang="en-US"/>
+              <a:t>Fourth level</a:t>
+            </a:r>
+          </a:p>
+          <a:p>
+            <a:pPr lvl="4"/>
+            <a:r>
+              <a:rPr lang="en-US"/>
+              <a:t>Fifth level</a:t>
+            </a:r>
+          </a:p>
+        </p:txBody>
+      </p:sp>
+      <p:sp>
+        <p:nvSpPr>
+          <p:cNvPr id="6" name="Footer Placeholder 5"/>
+          <p:cNvSpPr>
+            <a:spLocks noGrp="1"/>
+          </p:cNvSpPr>
+          <p:nvPr>
+            <p:ph type="ftr" sz="quarter" idx="4"/>
+          </p:nvPr>
+        </p:nvSpPr>
+        <p:spPr>
+          <a:xfrm>
+            <a:off x="0" y="8685213"/>
+            <a:ext cx="2971800" cy="458787"/>
+          </a:xfrm>
+          <a:prstGeom prst="rect">
+            <a:avLst/>
+          </a:prstGeom>
+        </p:spPr>
+        <p:txBody>
+          <a:bodyPr vert="horz" lIns="91440" tIns="45720" rIns="91440" bIns="45720" rtlCol="0" anchor="b"/>
+          <a:lstStyle>
+            <a:lvl1pPr algn="l">
+              <a:defRPr sz="1200"/>
+            </a:lvl1pPr>
+          </a:lstStyle>
+          <a:p>
+            <a:endParaRPr lang="en-US"/>
+          </a:p>
+        </p:txBody>
+      </p:sp>
+      <p:sp>
+        <p:nvSpPr>
+          <p:cNvPr id="7" name="Slide Number Placeholder 6"/>
+          <p:cNvSpPr>
+            <a:spLocks noGrp="1"/>
+          </p:cNvSpPr>
+          <p:nvPr>
+            <p:ph type="sldNum" sz="quarter" idx="5"/>
+          </p:nvPr>
+        </p:nvSpPr>
+        <p:spPr>
+          <a:xfrm>
+            <a:off x="3884613" y="8685213"/>
+            <a:ext cx="2971800" cy="458787"/>
+          </a:xfrm>
+          <a:prstGeom prst="rect">
+            <a:avLst/>
+          </a:prstGeom>
+        </p:spPr>
+        <p:txBody>
+          <a:bodyPr vert="horz" lIns="91440" tIns="45720" rIns="91440" bIns="45720" rtlCol="0" anchor="b"/>
+          <a:lstStyle>
+            <a:lvl1pPr algn="r">
+              <a:defRPr sz="1200"/>
+            </a:lvl1pPr>
+          </a:lstStyle>
+          <a:p>
+            <a:fld id="{2AA5F0A3-54E0-455B-A70E-BB0565498DAF}" type="slidenum">
+              <a:rPr lang="en-US" smtClean="0"/>
+              <a:t>‹#›</a:t>
+            </a:fld>
+            <a:endParaRPr lang="en-US"/>
+          </a:p>
+        </p:txBody>
+      </p:sp>
+    </p:spTree>
+    <p:extLst>
+      <p:ext uri="{BB962C8B-B14F-4D97-AF65-F5344CB8AC3E}">
+        <p14:creationId xmlns:p14="http://schemas.microsoft.com/office/powerpoint/2010/main" val="2947975713"/>
+      </p:ext>
+    </p:extLst>
+  </p:cSld>
+  <p:clrMap bg1="lt1" tx1="dk1" bg2="lt2" tx2="dk2" accent1="accent1" accent2="accent2" accent3="accent3" accent4="accent4" accent5="accent5" accent6="accent6" hlink="hlink" folHlink="folHlink"/>
+  <p:notesStyle>
+    <a:lvl1pPr marL="0" algn="l" defTabSz="914400" rtl="0" eaLnBrk="1" latinLnBrk="0" hangingPunct="1">
+      <a:defRPr sz="1200" kern="1200">
+        <a:solidFill>
+          <a:schemeClr val="tx1"/>
+        </a:solidFill>
+        <a:latin typeface="+mn-lt"/>
+        <a:ea typeface="+mn-ea"/>
+        <a:cs typeface="+mn-cs"/>
+      </a:defRPr>
+    </a:lvl1pPr>
+    <a:lvl2pPr marL="457200" algn="l" defTabSz="914400" rtl="0" eaLnBrk="1" latinLnBrk="0" hangingPunct="1">
+      <a:defRPr sz="1200" kern="1200">
+        <a:solidFill>
+          <a:schemeClr val="tx1"/>
+        </a:solidFill>
+        <a:latin typeface="+mn-lt"/>
+        <a:ea typeface="+mn-ea"/>
+        <a:cs typeface="+mn-cs"/>
+      </a:defRPr>
+    </a:lvl2pPr>
+    <a:lvl3pPr marL="914400" algn="l" defTabSz="914400" rtl="0" eaLnBrk="1" latinLnBrk="0" hangingPunct="1">
+      <a:defRPr sz="1200" kern="1200">
+        <a:solidFill>
+          <a:schemeClr val="tx1"/>
+        </a:solidFill>
+        <a:latin typeface="+mn-lt"/>
+        <a:ea typeface="+mn-ea"/>
+        <a:cs typeface="+mn-cs"/>
+      </a:defRPr>
+    </a:lvl3pPr>
+    <a:lvl4pPr marL="1371600" algn="l" defTabSz="914400" rtl="0" eaLnBrk="1" latinLnBrk="0" hangingPunct="1">
+      <a:defRPr sz="1200" kern="1200">
+        <a:solidFill>
+          <a:schemeClr val="tx1"/>
+        </a:solidFill>
+        <a:latin typeface="+mn-lt"/>
+        <a:ea typeface="+mn-ea"/>
+        <a:cs typeface="+mn-cs"/>
+      </a:defRPr>
+    </a:lvl4pPr>
+    <a:lvl5pPr marL="1828800" algn="l" defTabSz="914400" rtl="0" eaLnBrk="1" latinLnBrk="0" hangingPunct="1">
+      <a:defRPr sz="1200" kern="1200">
+        <a:solidFill>
+          <a:schemeClr val="tx1"/>
+        </a:solidFill>
+        <a:latin typeface="+mn-lt"/>
+        <a:ea typeface="+mn-ea"/>
+        <a:cs typeface="+mn-cs"/>
+      </a:defRPr>
+    </a:lvl5pPr>
+    <a:lvl6pPr marL="2286000" algn="l" defTabSz="914400" rtl="0" eaLnBrk="1" latinLnBrk="0" hangingPunct="1">
+      <a:defRPr sz="1200" kern="1200">
+        <a:solidFill>
+          <a:schemeClr val="tx1"/>
+        </a:solidFill>
+        <a:latin typeface="+mn-lt"/>
+        <a:ea typeface="+mn-ea"/>
+        <a:cs typeface="+mn-cs"/>
+      </a:defRPr>
+    </a:lvl6pPr>
+    <a:lvl7pPr marL="2743200" algn="l" defTabSz="914400" rtl="0" eaLnBrk="1" latinLnBrk="0" hangingPunct="1">
+      <a:defRPr sz="1200" kern="1200">
+        <a:solidFill>
+          <a:schemeClr val="tx1"/>
+        </a:solidFill>
+        <a:latin typeface="+mn-lt"/>
+        <a:ea typeface="+mn-ea"/>
+        <a:cs typeface="+mn-cs"/>
+      </a:defRPr>
+    </a:lvl7pPr>
+    <a:lvl8pPr marL="3200400" algn="l" defTabSz="914400" rtl="0" eaLnBrk="1" latinLnBrk="0" hangingPunct="1">
+      <a:defRPr sz="1200" kern="1200">
+        <a:solidFill>
+          <a:schemeClr val="tx1"/>
+        </a:solidFill>
+        <a:latin typeface="+mn-lt"/>
+        <a:ea typeface="+mn-ea"/>
+        <a:cs typeface="+mn-cs"/>
+      </a:defRPr>
+    </a:lvl8pPr>
+    <a:lvl9pPr marL="3657600" algn="l" defTabSz="914400" rtl="0" eaLnBrk="1" latinLnBrk="0" hangingPunct="1">
+      <a:defRPr sz="1200" kern="1200">
+        <a:solidFill>
+          <a:schemeClr val="tx1"/>
+        </a:solidFill>
+        <a:latin typeface="+mn-lt"/>
+        <a:ea typeface="+mn-ea"/>
+        <a:cs typeface="+mn-cs"/>
+      </a:defRPr>
+    </a:lvl9pPr>
+  </p:notesStyle>
+</p:notesMaster>
+</file>
+
+<file path=ppt/notesSlides/notesSlide1.xml><?xml version="1.0" encoding="utf-8"?>
+<p:notes xmlns:a="http://schemas.openxmlformats.org/drawingml/2006/main" xmlns:r="http://schemas.openxmlformats.org/officeDocument/2006/relationships" xmlns:p="http://schemas.openxmlformats.org/presentationml/2006/main">
+  <p:cSld>
+    <p:spTree>
+      <p:nvGrpSpPr>
+        <p:cNvPr id="1" name=""/>
+        <p:cNvGrpSpPr/>
+        <p:nvPr/>
+      </p:nvGrpSpPr>
+      <p:grpSpPr>
+        <a:xfrm>
+          <a:off x="0" y="0"/>
+          <a:ext cx="0" cy="0"/>
+          <a:chOff x="0" y="0"/>
+          <a:chExt cx="0" cy="0"/>
+        </a:xfrm>
+      </p:grpSpPr>
+      <p:sp>
+        <p:nvSpPr>
+          <p:cNvPr id="2" name="Slide Image Placeholder 1"/>
+          <p:cNvSpPr>
+            <a:spLocks noGrp="1" noRot="1" noChangeAspect="1"/>
+          </p:cNvSpPr>
+          <p:nvPr>
+            <p:ph type="sldImg"/>
+          </p:nvPr>
+        </p:nvSpPr>
+        <p:spPr/>
+      </p:sp>
+      <p:sp>
+        <p:nvSpPr>
+          <p:cNvPr id="3" name="Notes Placeholder 2"/>
+          <p:cNvSpPr>
+            <a:spLocks noGrp="1"/>
+          </p:cNvSpPr>
+          <p:nvPr>
+            <p:ph type="body" idx="1"/>
+          </p:nvPr>
+        </p:nvSpPr>
+        <p:spPr/>
+        <p:txBody>
+          <a:bodyPr/>
+          <a:lstStyle/>
+          <a:p>
+            <a:endParaRPr lang="en-US" dirty="0"/>
+          </a:p>
+        </p:txBody>
+      </p:sp>
+      <p:sp>
+        <p:nvSpPr>
+          <p:cNvPr id="4" name="Slide Number Placeholder 3"/>
+          <p:cNvSpPr>
+            <a:spLocks noGrp="1"/>
+          </p:cNvSpPr>
+          <p:nvPr>
+            <p:ph type="sldNum" sz="quarter" idx="5"/>
+          </p:nvPr>
+        </p:nvSpPr>
+        <p:spPr/>
+        <p:txBody>
+          <a:bodyPr/>
+          <a:lstStyle/>
+          <a:p>
+            <a:fld id="{2AA5F0A3-54E0-455B-A70E-BB0565498DAF}" type="slidenum">
+              <a:rPr lang="en-US" smtClean="0"/>
+              <a:t>5</a:t>
+            </a:fld>
+            <a:endParaRPr lang="en-US"/>
+          </a:p>
+        </p:txBody>
+      </p:sp>
+    </p:spTree>
+    <p:extLst>
+      <p:ext uri="{BB962C8B-B14F-4D97-AF65-F5344CB8AC3E}">
+        <p14:creationId xmlns:p14="http://schemas.microsoft.com/office/powerpoint/2010/main" val="1259566059"/>
+      </p:ext>
+    </p:extLst>
+  </p:cSld>
+  <p:clrMapOvr>
+    <a:masterClrMapping/>
+  </p:clrMapOvr>
+</p:notes>
+</file>
+
 <file path=ppt/slideLayouts/slideLayout1.xml><?xml version="1.0" encoding="utf-8"?>
 <p:sldLayout xmlns:a="http://schemas.openxmlformats.org/drawingml/2006/main" xmlns:r="http://schemas.openxmlformats.org/officeDocument/2006/relationships" xmlns:p="http://schemas.openxmlformats.org/presentationml/2006/main" type="title" preserve="1">
   <p:cSld name="Title Slide">
@@ -262,7 +699,7 @@
           <a:p>
             <a:fld id="{1498BA10-AD91-4098-951E-48B310B67AB5}" type="datetimeFigureOut">
               <a:rPr lang="en-US" smtClean="0"/>
-              <a:t>6/25/2021</a:t>
+              <a:t>7/12/2021</a:t>
             </a:fld>
             <a:endParaRPr lang="en-US"/>
           </a:p>
@@ -460,7 +897,7 @@
           <a:p>
             <a:fld id="{1498BA10-AD91-4098-951E-48B310B67AB5}" type="datetimeFigureOut">
               <a:rPr lang="en-US" smtClean="0"/>
-              <a:t>6/25/2021</a:t>
+              <a:t>7/12/2021</a:t>
             </a:fld>
             <a:endParaRPr lang="en-US"/>
           </a:p>
@@ -668,7 +1105,7 @@
           <a:p>
             <a:fld id="{1498BA10-AD91-4098-951E-48B310B67AB5}" type="datetimeFigureOut">
               <a:rPr lang="en-US" smtClean="0"/>
-              <a:t>6/25/2021</a:t>
+              <a:t>7/12/2021</a:t>
             </a:fld>
             <a:endParaRPr lang="en-US"/>
           </a:p>
@@ -866,7 +1303,7 @@
           <a:p>
             <a:fld id="{1498BA10-AD91-4098-951E-48B310B67AB5}" type="datetimeFigureOut">
               <a:rPr lang="en-US" smtClean="0"/>
-              <a:t>6/25/2021</a:t>
+              <a:t>7/12/2021</a:t>
             </a:fld>
             <a:endParaRPr lang="en-US"/>
           </a:p>
@@ -1141,7 +1578,7 @@
           <a:p>
             <a:fld id="{1498BA10-AD91-4098-951E-48B310B67AB5}" type="datetimeFigureOut">
               <a:rPr lang="en-US" smtClean="0"/>
-              <a:t>6/25/2021</a:t>
+              <a:t>7/12/2021</a:t>
             </a:fld>
             <a:endParaRPr lang="en-US"/>
           </a:p>
@@ -1406,7 +1843,7 @@
           <a:p>
             <a:fld id="{1498BA10-AD91-4098-951E-48B310B67AB5}" type="datetimeFigureOut">
               <a:rPr lang="en-US" smtClean="0"/>
-              <a:t>6/25/2021</a:t>
+              <a:t>7/12/2021</a:t>
             </a:fld>
             <a:endParaRPr lang="en-US"/>
           </a:p>
@@ -1818,7 +2255,7 @@
           <a:p>
             <a:fld id="{1498BA10-AD91-4098-951E-48B310B67AB5}" type="datetimeFigureOut">
               <a:rPr lang="en-US" smtClean="0"/>
-              <a:t>6/25/2021</a:t>
+              <a:t>7/12/2021</a:t>
             </a:fld>
             <a:endParaRPr lang="en-US"/>
           </a:p>
@@ -1959,7 +2396,7 @@
           <a:p>
             <a:fld id="{1498BA10-AD91-4098-951E-48B310B67AB5}" type="datetimeFigureOut">
               <a:rPr lang="en-US" smtClean="0"/>
-              <a:t>6/25/2021</a:t>
+              <a:t>7/12/2021</a:t>
             </a:fld>
             <a:endParaRPr lang="en-US"/>
           </a:p>
@@ -2072,7 +2509,7 @@
           <a:p>
             <a:fld id="{1498BA10-AD91-4098-951E-48B310B67AB5}" type="datetimeFigureOut">
               <a:rPr lang="en-US" smtClean="0"/>
-              <a:t>6/25/2021</a:t>
+              <a:t>7/12/2021</a:t>
             </a:fld>
             <a:endParaRPr lang="en-US"/>
           </a:p>
@@ -2383,7 +2820,7 @@
           <a:p>
             <a:fld id="{1498BA10-AD91-4098-951E-48B310B67AB5}" type="datetimeFigureOut">
               <a:rPr lang="en-US" smtClean="0"/>
-              <a:t>6/25/2021</a:t>
+              <a:t>7/12/2021</a:t>
             </a:fld>
             <a:endParaRPr lang="en-US"/>
           </a:p>
@@ -2671,7 +3108,7 @@
           <a:p>
             <a:fld id="{1498BA10-AD91-4098-951E-48B310B67AB5}" type="datetimeFigureOut">
               <a:rPr lang="en-US" smtClean="0"/>
-              <a:t>6/25/2021</a:t>
+              <a:t>7/12/2021</a:t>
             </a:fld>
             <a:endParaRPr lang="en-US"/>
           </a:p>
@@ -2912,7 +3349,7 @@
           <a:p>
             <a:fld id="{1498BA10-AD91-4098-951E-48B310B67AB5}" type="datetimeFigureOut">
               <a:rPr lang="en-US" smtClean="0"/>
-              <a:t>6/25/2021</a:t>
+              <a:t>7/12/2021</a:t>
             </a:fld>
             <a:endParaRPr lang="en-US"/>
           </a:p>
@@ -4740,6 +5177,438 @@
 </p:sld>
 </file>
 
+<file path=ppt/slides/slide5.xml><?xml version="1.0" encoding="utf-8"?>
+<p:sld xmlns:a="http://schemas.openxmlformats.org/drawingml/2006/main" xmlns:r="http://schemas.openxmlformats.org/officeDocument/2006/relationships" xmlns:p="http://schemas.openxmlformats.org/presentationml/2006/main">
+  <p:cSld>
+    <p:spTree>
+      <p:nvGrpSpPr>
+        <p:cNvPr id="1" name=""/>
+        <p:cNvGrpSpPr/>
+        <p:nvPr/>
+      </p:nvGrpSpPr>
+      <p:grpSpPr>
+        <a:xfrm>
+          <a:off x="0" y="0"/>
+          <a:ext cx="0" cy="0"/>
+          <a:chOff x="0" y="0"/>
+          <a:chExt cx="0" cy="0"/>
+        </a:xfrm>
+      </p:grpSpPr>
+      <p:sp>
+        <p:nvSpPr>
+          <p:cNvPr id="4" name="Rectangle 3">
+            <a:extLst>
+              <a:ext uri="{FF2B5EF4-FFF2-40B4-BE49-F238E27FC236}">
+                <a16:creationId xmlns:a16="http://schemas.microsoft.com/office/drawing/2014/main" id="{D007B9D7-69A5-4BF9-A9E9-6958373ADD0E}"/>
+              </a:ext>
+            </a:extLst>
+          </p:cNvPr>
+          <p:cNvSpPr/>
+          <p:nvPr/>
+        </p:nvSpPr>
+        <p:spPr>
+          <a:xfrm>
+            <a:off x="2622767" y="1396133"/>
+            <a:ext cx="1190950" cy="628929"/>
+          </a:xfrm>
+          <a:prstGeom prst="rect">
+            <a:avLst/>
+          </a:prstGeom>
+          <a:noFill/>
+        </p:spPr>
+        <p:style>
+          <a:lnRef idx="2">
+            <a:schemeClr val="accent1">
+              <a:shade val="50000"/>
+            </a:schemeClr>
+          </a:lnRef>
+          <a:fillRef idx="1">
+            <a:schemeClr val="accent1"/>
+          </a:fillRef>
+          <a:effectRef idx="0">
+            <a:schemeClr val="accent1"/>
+          </a:effectRef>
+          <a:fontRef idx="minor">
+            <a:schemeClr val="lt1"/>
+          </a:fontRef>
+        </p:style>
+        <p:txBody>
+          <a:bodyPr rtlCol="0" anchor="ctr"/>
+          <a:lstStyle/>
+          <a:p>
+            <a:pPr algn="ctr"/>
+            <a:endParaRPr lang="en-US"/>
+          </a:p>
+        </p:txBody>
+      </p:sp>
+      <p:sp>
+        <p:nvSpPr>
+          <p:cNvPr id="5" name="Rectangle 4">
+            <a:extLst>
+              <a:ext uri="{FF2B5EF4-FFF2-40B4-BE49-F238E27FC236}">
+                <a16:creationId xmlns:a16="http://schemas.microsoft.com/office/drawing/2014/main" id="{5993AD1C-897D-4542-9AE4-4937AF3C43BE}"/>
+              </a:ext>
+            </a:extLst>
+          </p:cNvPr>
+          <p:cNvSpPr/>
+          <p:nvPr/>
+        </p:nvSpPr>
+        <p:spPr>
+          <a:xfrm>
+            <a:off x="3813717" y="1396132"/>
+            <a:ext cx="1190950" cy="628929"/>
+          </a:xfrm>
+          <a:prstGeom prst="rect">
+            <a:avLst/>
+          </a:prstGeom>
+          <a:noFill/>
+          <a:ln>
+            <a:solidFill>
+              <a:srgbClr val="FF0000"/>
+            </a:solidFill>
+          </a:ln>
+        </p:spPr>
+        <p:style>
+          <a:lnRef idx="2">
+            <a:schemeClr val="accent1">
+              <a:shade val="50000"/>
+            </a:schemeClr>
+          </a:lnRef>
+          <a:fillRef idx="1">
+            <a:schemeClr val="accent1"/>
+          </a:fillRef>
+          <a:effectRef idx="0">
+            <a:schemeClr val="accent1"/>
+          </a:effectRef>
+          <a:fontRef idx="minor">
+            <a:schemeClr val="lt1"/>
+          </a:fontRef>
+        </p:style>
+        <p:txBody>
+          <a:bodyPr rtlCol="0" anchor="ctr"/>
+          <a:lstStyle/>
+          <a:p>
+            <a:pPr algn="ctr"/>
+            <a:endParaRPr lang="en-US"/>
+          </a:p>
+        </p:txBody>
+      </p:sp>
+      <p:sp>
+        <p:nvSpPr>
+          <p:cNvPr id="6" name="TextBox 5">
+            <a:extLst>
+              <a:ext uri="{FF2B5EF4-FFF2-40B4-BE49-F238E27FC236}">
+                <a16:creationId xmlns:a16="http://schemas.microsoft.com/office/drawing/2014/main" id="{E3A6CFBB-748A-4641-9DF7-1F037179E61E}"/>
+              </a:ext>
+            </a:extLst>
+          </p:cNvPr>
+          <p:cNvSpPr txBox="1"/>
+          <p:nvPr/>
+        </p:nvSpPr>
+        <p:spPr>
+          <a:xfrm>
+            <a:off x="1748511" y="892098"/>
+            <a:ext cx="1436277" cy="369332"/>
+          </a:xfrm>
+          <a:prstGeom prst="rect">
+            <a:avLst/>
+          </a:prstGeom>
+          <a:noFill/>
+        </p:spPr>
+        <p:txBody>
+          <a:bodyPr wrap="square" rtlCol="0">
+            <a:spAutoFit/>
+          </a:bodyPr>
+          <a:lstStyle/>
+          <a:p>
+            <a:r>
+              <a:rPr lang="en-US" dirty="0"/>
+              <a:t>Case 1.</a:t>
+            </a:r>
+          </a:p>
+        </p:txBody>
+      </p:sp>
+      <p:sp>
+        <p:nvSpPr>
+          <p:cNvPr id="7" name="Rectangle 6">
+            <a:extLst>
+              <a:ext uri="{FF2B5EF4-FFF2-40B4-BE49-F238E27FC236}">
+                <a16:creationId xmlns:a16="http://schemas.microsoft.com/office/drawing/2014/main" id="{7C7572E8-518F-43DB-B749-F482B23B0CD5}"/>
+              </a:ext>
+            </a:extLst>
+          </p:cNvPr>
+          <p:cNvSpPr/>
+          <p:nvPr/>
+        </p:nvSpPr>
+        <p:spPr>
+          <a:xfrm>
+            <a:off x="2649531" y="3587233"/>
+            <a:ext cx="562021" cy="788392"/>
+          </a:xfrm>
+          <a:prstGeom prst="rect">
+            <a:avLst/>
+          </a:prstGeom>
+          <a:noFill/>
+        </p:spPr>
+        <p:style>
+          <a:lnRef idx="2">
+            <a:schemeClr val="accent1">
+              <a:shade val="50000"/>
+            </a:schemeClr>
+          </a:lnRef>
+          <a:fillRef idx="1">
+            <a:schemeClr val="accent1"/>
+          </a:fillRef>
+          <a:effectRef idx="0">
+            <a:schemeClr val="accent1"/>
+          </a:effectRef>
+          <a:fontRef idx="minor">
+            <a:schemeClr val="lt1"/>
+          </a:fontRef>
+        </p:style>
+        <p:txBody>
+          <a:bodyPr rtlCol="0" anchor="ctr"/>
+          <a:lstStyle/>
+          <a:p>
+            <a:pPr algn="ctr"/>
+            <a:endParaRPr lang="en-US"/>
+          </a:p>
+        </p:txBody>
+      </p:sp>
+      <p:sp>
+        <p:nvSpPr>
+          <p:cNvPr id="8" name="Rectangle 7">
+            <a:extLst>
+              <a:ext uri="{FF2B5EF4-FFF2-40B4-BE49-F238E27FC236}">
+                <a16:creationId xmlns:a16="http://schemas.microsoft.com/office/drawing/2014/main" id="{E4BAFDA8-2004-4351-8BC3-22D58AB27670}"/>
+              </a:ext>
+            </a:extLst>
+          </p:cNvPr>
+          <p:cNvSpPr/>
+          <p:nvPr/>
+        </p:nvSpPr>
+        <p:spPr>
+          <a:xfrm>
+            <a:off x="2649531" y="2717438"/>
+            <a:ext cx="843032" cy="1658187"/>
+          </a:xfrm>
+          <a:prstGeom prst="rect">
+            <a:avLst/>
+          </a:prstGeom>
+          <a:noFill/>
+          <a:ln>
+            <a:solidFill>
+              <a:srgbClr val="FF0000"/>
+            </a:solidFill>
+          </a:ln>
+        </p:spPr>
+        <p:style>
+          <a:lnRef idx="2">
+            <a:schemeClr val="accent1">
+              <a:shade val="50000"/>
+            </a:schemeClr>
+          </a:lnRef>
+          <a:fillRef idx="1">
+            <a:schemeClr val="accent1"/>
+          </a:fillRef>
+          <a:effectRef idx="0">
+            <a:schemeClr val="accent1"/>
+          </a:effectRef>
+          <a:fontRef idx="minor">
+            <a:schemeClr val="lt1"/>
+          </a:fontRef>
+        </p:style>
+        <p:txBody>
+          <a:bodyPr rtlCol="0" anchor="ctr"/>
+          <a:lstStyle/>
+          <a:p>
+            <a:pPr algn="ctr"/>
+            <a:endParaRPr lang="en-US"/>
+          </a:p>
+        </p:txBody>
+      </p:sp>
+      <p:sp>
+        <p:nvSpPr>
+          <p:cNvPr id="9" name="TextBox 8">
+            <a:extLst>
+              <a:ext uri="{FF2B5EF4-FFF2-40B4-BE49-F238E27FC236}">
+                <a16:creationId xmlns:a16="http://schemas.microsoft.com/office/drawing/2014/main" id="{2C4363CE-A18C-45EF-930C-FBBE182DBAB7}"/>
+              </a:ext>
+            </a:extLst>
+          </p:cNvPr>
+          <p:cNvSpPr txBox="1"/>
+          <p:nvPr/>
+        </p:nvSpPr>
+        <p:spPr>
+          <a:xfrm>
+            <a:off x="1748510" y="4595934"/>
+            <a:ext cx="1436277" cy="369332"/>
+          </a:xfrm>
+          <a:prstGeom prst="rect">
+            <a:avLst/>
+          </a:prstGeom>
+          <a:noFill/>
+        </p:spPr>
+        <p:txBody>
+          <a:bodyPr wrap="square" rtlCol="0">
+            <a:spAutoFit/>
+          </a:bodyPr>
+          <a:lstStyle/>
+          <a:p>
+            <a:r>
+              <a:rPr lang="en-US" dirty="0"/>
+              <a:t>Case 3.</a:t>
+            </a:r>
+          </a:p>
+        </p:txBody>
+      </p:sp>
+      <p:sp>
+        <p:nvSpPr>
+          <p:cNvPr id="10" name="Rectangle 9">
+            <a:extLst>
+              <a:ext uri="{FF2B5EF4-FFF2-40B4-BE49-F238E27FC236}">
+                <a16:creationId xmlns:a16="http://schemas.microsoft.com/office/drawing/2014/main" id="{D3404625-4A67-4C82-9078-C66F89F40D78}"/>
+              </a:ext>
+            </a:extLst>
+          </p:cNvPr>
+          <p:cNvSpPr/>
+          <p:nvPr/>
+        </p:nvSpPr>
+        <p:spPr>
+          <a:xfrm>
+            <a:off x="2649530" y="5835061"/>
+            <a:ext cx="562021" cy="788392"/>
+          </a:xfrm>
+          <a:prstGeom prst="rect">
+            <a:avLst/>
+          </a:prstGeom>
+          <a:noFill/>
+        </p:spPr>
+        <p:style>
+          <a:lnRef idx="2">
+            <a:schemeClr val="accent1">
+              <a:shade val="50000"/>
+            </a:schemeClr>
+          </a:lnRef>
+          <a:fillRef idx="1">
+            <a:schemeClr val="accent1"/>
+          </a:fillRef>
+          <a:effectRef idx="0">
+            <a:schemeClr val="accent1"/>
+          </a:effectRef>
+          <a:fontRef idx="minor">
+            <a:schemeClr val="lt1"/>
+          </a:fontRef>
+        </p:style>
+        <p:txBody>
+          <a:bodyPr rtlCol="0" anchor="ctr"/>
+          <a:lstStyle/>
+          <a:p>
+            <a:pPr algn="ctr"/>
+            <a:endParaRPr lang="en-US"/>
+          </a:p>
+        </p:txBody>
+      </p:sp>
+      <p:sp>
+        <p:nvSpPr>
+          <p:cNvPr id="11" name="Rectangle 10">
+            <a:extLst>
+              <a:ext uri="{FF2B5EF4-FFF2-40B4-BE49-F238E27FC236}">
+                <a16:creationId xmlns:a16="http://schemas.microsoft.com/office/drawing/2014/main" id="{0DCE0505-EB8A-4C25-8AE1-89D22E0814CA}"/>
+              </a:ext>
+            </a:extLst>
+          </p:cNvPr>
+          <p:cNvSpPr/>
+          <p:nvPr/>
+        </p:nvSpPr>
+        <p:spPr>
+          <a:xfrm>
+            <a:off x="2899317" y="4965266"/>
+            <a:ext cx="312234" cy="1658187"/>
+          </a:xfrm>
+          <a:prstGeom prst="rect">
+            <a:avLst/>
+          </a:prstGeom>
+          <a:noFill/>
+          <a:ln>
+            <a:solidFill>
+              <a:srgbClr val="FF0000"/>
+            </a:solidFill>
+          </a:ln>
+        </p:spPr>
+        <p:style>
+          <a:lnRef idx="2">
+            <a:schemeClr val="accent1">
+              <a:shade val="50000"/>
+            </a:schemeClr>
+          </a:lnRef>
+          <a:fillRef idx="1">
+            <a:schemeClr val="accent1"/>
+          </a:fillRef>
+          <a:effectRef idx="0">
+            <a:schemeClr val="accent1"/>
+          </a:effectRef>
+          <a:fontRef idx="minor">
+            <a:schemeClr val="lt1"/>
+          </a:fontRef>
+        </p:style>
+        <p:txBody>
+          <a:bodyPr rtlCol="0" anchor="ctr"/>
+          <a:lstStyle/>
+          <a:p>
+            <a:pPr algn="ctr"/>
+            <a:endParaRPr lang="en-US"/>
+          </a:p>
+        </p:txBody>
+      </p:sp>
+      <p:sp>
+        <p:nvSpPr>
+          <p:cNvPr id="12" name="TextBox 11">
+            <a:extLst>
+              <a:ext uri="{FF2B5EF4-FFF2-40B4-BE49-F238E27FC236}">
+                <a16:creationId xmlns:a16="http://schemas.microsoft.com/office/drawing/2014/main" id="{7ED505E1-CB80-45C6-BEF7-EBCB1305B109}"/>
+              </a:ext>
+            </a:extLst>
+          </p:cNvPr>
+          <p:cNvSpPr txBox="1"/>
+          <p:nvPr/>
+        </p:nvSpPr>
+        <p:spPr>
+          <a:xfrm>
+            <a:off x="1686807" y="2275293"/>
+            <a:ext cx="1436277" cy="369332"/>
+          </a:xfrm>
+          <a:prstGeom prst="rect">
+            <a:avLst/>
+          </a:prstGeom>
+          <a:noFill/>
+        </p:spPr>
+        <p:txBody>
+          <a:bodyPr wrap="square" rtlCol="0">
+            <a:spAutoFit/>
+          </a:bodyPr>
+          <a:lstStyle/>
+          <a:p>
+            <a:r>
+              <a:rPr lang="en-US" dirty="0"/>
+              <a:t>Case 2.</a:t>
+            </a:r>
+          </a:p>
+        </p:txBody>
+      </p:sp>
+    </p:spTree>
+    <p:extLst>
+      <p:ext uri="{BB962C8B-B14F-4D97-AF65-F5344CB8AC3E}">
+        <p14:creationId xmlns:p14="http://schemas.microsoft.com/office/powerpoint/2010/main" val="2682461920"/>
+      </p:ext>
+    </p:extLst>
+  </p:cSld>
+  <p:clrMapOvr>
+    <a:masterClrMapping/>
+  </p:clrMapOvr>
+</p:sld>
+</file>
+
 <file path=ppt/theme/theme1.xml><?xml version="1.0" encoding="utf-8"?>
 <a:theme xmlns:a="http://schemas.openxmlformats.org/drawingml/2006/main" name="Office Theme">
   <a:themeElements>
@@ -5033,4 +5902,299 @@
     </a:ext>
   </a:extLst>
 </a:theme>
+</file>
+
+<file path=ppt/theme/theme2.xml><?xml version="1.0" encoding="utf-8"?>
+<a:theme xmlns:a="http://schemas.openxmlformats.org/drawingml/2006/main" name="Office Theme">
+  <a:themeElements>
+    <a:clrScheme name="Office">
+      <a:dk1>
+        <a:sysClr val="windowText" lastClr="000000"/>
+      </a:dk1>
+      <a:lt1>
+        <a:sysClr val="window" lastClr="FFFFFF"/>
+      </a:lt1>
+      <a:dk2>
+        <a:srgbClr val="44546A"/>
+      </a:dk2>
+      <a:lt2>
+        <a:srgbClr val="E7E6E6"/>
+      </a:lt2>
+      <a:accent1>
+        <a:srgbClr val="4472C4"/>
+      </a:accent1>
+      <a:accent2>
+        <a:srgbClr val="ED7D31"/>
+      </a:accent2>
+      <a:accent3>
+        <a:srgbClr val="A5A5A5"/>
+      </a:accent3>
+      <a:accent4>
+        <a:srgbClr val="FFC000"/>
+      </a:accent4>
+      <a:accent5>
+        <a:srgbClr val="5B9BD5"/>
+      </a:accent5>
+      <a:accent6>
+        <a:srgbClr val="70AD47"/>
+      </a:accent6>
+      <a:hlink>
+        <a:srgbClr val="0563C1"/>
+      </a:hlink>
+      <a:folHlink>
+        <a:srgbClr val="954F72"/>
+      </a:folHlink>
+    </a:clrScheme>
+    <a:fontScheme name="Office">
+      <a:majorFont>
+        <a:latin typeface="Calibri Light" panose="020F0302020204030204"/>
+        <a:ea typeface=""/>
+        <a:cs typeface=""/>
+        <a:font script="Jpan" typeface="游ゴシック Light"/>
+        <a:font script="Hang" typeface="맑은 고딕"/>
+        <a:font script="Hans" typeface="等线 Light"/>
+        <a:font script="Hant" typeface="新細明體"/>
+        <a:font script="Arab" typeface="Times New Roman"/>
+        <a:font script="Hebr" typeface="Times New Roman"/>
+        <a:font script="Thai" typeface="Angsana New"/>
+        <a:font script="Ethi" typeface="Nyala"/>
+        <a:font script="Beng" typeface="Vrinda"/>
+        <a:font script="Gujr" typeface="Shruti"/>
+        <a:font script="Khmr" typeface="MoolBoran"/>
+        <a:font script="Knda" typeface="Tunga"/>
+        <a:font script="Guru" typeface="Raavi"/>
+        <a:font script="Cans" typeface="Euphemia"/>
+        <a:font script="Cher" typeface="Plantagenet Cherokee"/>
+        <a:font script="Yiii" typeface="Microsoft Yi Baiti"/>
+        <a:font script="Tibt" typeface="Microsoft Himalaya"/>
+        <a:font script="Thaa" typeface="MV Boli"/>
+        <a:font script="Deva" typeface="Mangal"/>
+        <a:font script="Telu" typeface="Gautami"/>
+        <a:font script="Taml" typeface="Latha"/>
+        <a:font script="Syrc" typeface="Estrangelo Edessa"/>
+        <a:font script="Orya" typeface="Kalinga"/>
+        <a:font script="Mlym" typeface="Kartika"/>
+        <a:font script="Laoo" typeface="DokChampa"/>
+        <a:font script="Sinh" typeface="Iskoola Pota"/>
+        <a:font script="Mong" typeface="Mongolian Baiti"/>
+        <a:font script="Viet" typeface="Times New Roman"/>
+        <a:font script="Uigh" typeface="Microsoft Uighur"/>
+        <a:font script="Geor" typeface="Sylfaen"/>
+        <a:font script="Armn" typeface="Arial"/>
+        <a:font script="Bugi" typeface="Leelawadee UI"/>
+        <a:font script="Bopo" typeface="Microsoft JhengHei"/>
+        <a:font script="Java" typeface="Javanese Text"/>
+        <a:font script="Lisu" typeface="Segoe UI"/>
+        <a:font script="Mymr" typeface="Myanmar Text"/>
+        <a:font script="Nkoo" typeface="Ebrima"/>
+        <a:font script="Olck" typeface="Nirmala UI"/>
+        <a:font script="Osma" typeface="Ebrima"/>
+        <a:font script="Phag" typeface="Phagspa"/>
+        <a:font script="Syrn" typeface="Estrangelo Edessa"/>
+        <a:font script="Syrj" typeface="Estrangelo Edessa"/>
+        <a:font script="Syre" typeface="Estrangelo Edessa"/>
+        <a:font script="Sora" typeface="Nirmala UI"/>
+        <a:font script="Tale" typeface="Microsoft Tai Le"/>
+        <a:font script="Talu" typeface="Microsoft New Tai Lue"/>
+        <a:font script="Tfng" typeface="Ebrima"/>
+      </a:majorFont>
+      <a:minorFont>
+        <a:latin typeface="Calibri" panose="020F0502020204030204"/>
+        <a:ea typeface=""/>
+        <a:cs typeface=""/>
+        <a:font script="Jpan" typeface="游ゴシック"/>
+        <a:font script="Hang" typeface="맑은 고딕"/>
+        <a:font script="Hans" typeface="等线"/>
+        <a:font script="Hant" typeface="新細明體"/>
+        <a:font script="Arab" typeface="Arial"/>
+        <a:font script="Hebr" typeface="Arial"/>
+        <a:font script="Thai" typeface="Cordia New"/>
+        <a:font script="Ethi" typeface="Nyala"/>
+        <a:font script="Beng" typeface="Vrinda"/>
+        <a:font script="Gujr" typeface="Shruti"/>
+        <a:font script="Khmr" typeface="DaunPenh"/>
+        <a:font script="Knda" typeface="Tunga"/>
+        <a:font script="Guru" typeface="Raavi"/>
+        <a:font script="Cans" typeface="Euphemia"/>
+        <a:font script="Cher" typeface="Plantagenet Cherokee"/>
+        <a:font script="Yiii" typeface="Microsoft Yi Baiti"/>
+        <a:font script="Tibt" typeface="Microsoft Himalaya"/>
+        <a:font script="Thaa" typeface="MV Boli"/>
+        <a:font script="Deva" typeface="Mangal"/>
+        <a:font script="Telu" typeface="Gautami"/>
+        <a:font script="Taml" typeface="Latha"/>
+        <a:font script="Syrc" typeface="Estrangelo Edessa"/>
+        <a:font script="Orya" typeface="Kalinga"/>
+        <a:font script="Mlym" typeface="Kartika"/>
+        <a:font script="Laoo" typeface="DokChampa"/>
+        <a:font script="Sinh" typeface="Iskoola Pota"/>
+        <a:font script="Mong" typeface="Mongolian Baiti"/>
+        <a:font script="Viet" typeface="Arial"/>
+        <a:font script="Uigh" typeface="Microsoft Uighur"/>
+        <a:font script="Geor" typeface="Sylfaen"/>
+        <a:font script="Armn" typeface="Arial"/>
+        <a:font script="Bugi" typeface="Leelawadee UI"/>
+        <a:font script="Bopo" typeface="Microsoft JhengHei"/>
+        <a:font script="Java" typeface="Javanese Text"/>
+        <a:font script="Lisu" typeface="Segoe UI"/>
+        <a:font script="Mymr" typeface="Myanmar Text"/>
+        <a:font script="Nkoo" typeface="Ebrima"/>
+        <a:font script="Olck" typeface="Nirmala UI"/>
+        <a:font script="Osma" typeface="Ebrima"/>
+        <a:font script="Phag" typeface="Phagspa"/>
+        <a:font script="Syrn" typeface="Estrangelo Edessa"/>
+        <a:font script="Syrj" typeface="Estrangelo Edessa"/>
+        <a:font script="Syre" typeface="Estrangelo Edessa"/>
+        <a:font script="Sora" typeface="Nirmala UI"/>
+        <a:font script="Tale" typeface="Microsoft Tai Le"/>
+        <a:font script="Talu" typeface="Microsoft New Tai Lue"/>
+        <a:font script="Tfng" typeface="Ebrima"/>
+      </a:minorFont>
+    </a:fontScheme>
+    <a:fmtScheme name="Office">
+      <a:fillStyleLst>
+        <a:solidFill>
+          <a:schemeClr val="phClr"/>
+        </a:solidFill>
+        <a:gradFill rotWithShape="1">
+          <a:gsLst>
+            <a:gs pos="0">
+              <a:schemeClr val="phClr">
+                <a:lumMod val="110000"/>
+                <a:satMod val="105000"/>
+                <a:tint val="67000"/>
+              </a:schemeClr>
+            </a:gs>
+            <a:gs pos="50000">
+              <a:schemeClr val="phClr">
+                <a:lumMod val="105000"/>
+                <a:satMod val="103000"/>
+                <a:tint val="73000"/>
+              </a:schemeClr>
+            </a:gs>
+            <a:gs pos="100000">
+              <a:schemeClr val="phClr">
+                <a:lumMod val="105000"/>
+                <a:satMod val="109000"/>
+                <a:tint val="81000"/>
+              </a:schemeClr>
+            </a:gs>
+          </a:gsLst>
+          <a:lin ang="5400000" scaled="0"/>
+        </a:gradFill>
+        <a:gradFill rotWithShape="1">
+          <a:gsLst>
+            <a:gs pos="0">
+              <a:schemeClr val="phClr">
+                <a:satMod val="103000"/>
+                <a:lumMod val="102000"/>
+                <a:tint val="94000"/>
+              </a:schemeClr>
+            </a:gs>
+            <a:gs pos="50000">
+              <a:schemeClr val="phClr">
+                <a:satMod val="110000"/>
+                <a:lumMod val="100000"/>
+                <a:shade val="100000"/>
+              </a:schemeClr>
+            </a:gs>
+            <a:gs pos="100000">
+              <a:schemeClr val="phClr">
+                <a:lumMod val="99000"/>
+                <a:satMod val="120000"/>
+                <a:shade val="78000"/>
+              </a:schemeClr>
+            </a:gs>
+          </a:gsLst>
+          <a:lin ang="5400000" scaled="0"/>
+        </a:gradFill>
+      </a:fillStyleLst>
+      <a:lnStyleLst>
+        <a:ln w="6350" cap="flat" cmpd="sng" algn="ctr">
+          <a:solidFill>
+            <a:schemeClr val="phClr"/>
+          </a:solidFill>
+          <a:prstDash val="solid"/>
+          <a:miter lim="800000"/>
+        </a:ln>
+        <a:ln w="12700" cap="flat" cmpd="sng" algn="ctr">
+          <a:solidFill>
+            <a:schemeClr val="phClr"/>
+          </a:solidFill>
+          <a:prstDash val="solid"/>
+          <a:miter lim="800000"/>
+        </a:ln>
+        <a:ln w="19050" cap="flat" cmpd="sng" algn="ctr">
+          <a:solidFill>
+            <a:schemeClr val="phClr"/>
+          </a:solidFill>
+          <a:prstDash val="solid"/>
+          <a:miter lim="800000"/>
+        </a:ln>
+      </a:lnStyleLst>
+      <a:effectStyleLst>
+        <a:effectStyle>
+          <a:effectLst/>
+        </a:effectStyle>
+        <a:effectStyle>
+          <a:effectLst/>
+        </a:effectStyle>
+        <a:effectStyle>
+          <a:effectLst>
+            <a:outerShdw blurRad="57150" dist="19050" dir="5400000" algn="ctr" rotWithShape="0">
+              <a:srgbClr val="000000">
+                <a:alpha val="63000"/>
+              </a:srgbClr>
+            </a:outerShdw>
+          </a:effectLst>
+        </a:effectStyle>
+      </a:effectStyleLst>
+      <a:bgFillStyleLst>
+        <a:solidFill>
+          <a:schemeClr val="phClr"/>
+        </a:solidFill>
+        <a:solidFill>
+          <a:schemeClr val="phClr">
+            <a:tint val="95000"/>
+            <a:satMod val="170000"/>
+          </a:schemeClr>
+        </a:solidFill>
+        <a:gradFill rotWithShape="1">
+          <a:gsLst>
+            <a:gs pos="0">
+              <a:schemeClr val="phClr">
+                <a:tint val="93000"/>
+                <a:satMod val="150000"/>
+                <a:shade val="98000"/>
+                <a:lumMod val="102000"/>
+              </a:schemeClr>
+            </a:gs>
+            <a:gs pos="50000">
+              <a:schemeClr val="phClr">
+                <a:tint val="98000"/>
+                <a:satMod val="130000"/>
+                <a:shade val="90000"/>
+                <a:lumMod val="103000"/>
+              </a:schemeClr>
+            </a:gs>
+            <a:gs pos="100000">
+              <a:schemeClr val="phClr">
+                <a:shade val="63000"/>
+                <a:satMod val="120000"/>
+              </a:schemeClr>
+            </a:gs>
+          </a:gsLst>
+          <a:lin ang="5400000" scaled="0"/>
+        </a:gradFill>
+      </a:bgFillStyleLst>
+    </a:fmtScheme>
+  </a:themeElements>
+  <a:objectDefaults/>
+  <a:extraClrSchemeLst/>
+  <a:extLst>
+    <a:ext uri="{05A4C25C-085E-4340-85A3-A5531E510DB2}">
+      <thm15:themeFamily xmlns:thm15="http://schemas.microsoft.com/office/thememl/2012/main" name="Office Theme" id="{62F939B6-93AF-4DB8-9C6B-D6C7DFDC589F}" vid="{4A3C46E8-61CC-4603-A589-7422A47A8E4A}"/>
+    </a:ext>
+  </a:extLst>
+</a:theme>
 </file>
--- a/Animation.pptx
+++ b/Animation.pptx
@@ -5,7 +5,7 @@
     <p:sldMasterId id="2147483648" r:id="rId1"/>
   </p:sldMasterIdLst>
   <p:notesMasterIdLst>
-    <p:notesMasterId r:id="rId7"/>
+    <p:notesMasterId r:id="rId8"/>
   </p:notesMasterIdLst>
   <p:sldIdLst>
     <p:sldId id="256" r:id="rId2"/>
@@ -13,6 +13,7 @@
     <p:sldId id="258" r:id="rId4"/>
     <p:sldId id="259" r:id="rId5"/>
     <p:sldId id="260" r:id="rId6"/>
+    <p:sldId id="261" r:id="rId7"/>
   </p:sldIdLst>
   <p:sldSz cx="12192000" cy="6858000"/>
   <p:notesSz cx="6858000" cy="9144000"/>
@@ -201,7 +202,7 @@
           <a:p>
             <a:fld id="{044962B2-8A15-4EC0-869C-6A6E55FD3D21}" type="datetimeFigureOut">
               <a:rPr lang="en-US" smtClean="0"/>
-              <a:t>7/12/2021</a:t>
+              <a:t>7/27/2021</a:t>
             </a:fld>
             <a:endParaRPr lang="en-US"/>
           </a:p>
@@ -699,7 +700,7 @@
           <a:p>
             <a:fld id="{1498BA10-AD91-4098-951E-48B310B67AB5}" type="datetimeFigureOut">
               <a:rPr lang="en-US" smtClean="0"/>
-              <a:t>7/12/2021</a:t>
+              <a:t>7/27/2021</a:t>
             </a:fld>
             <a:endParaRPr lang="en-US"/>
           </a:p>
@@ -897,7 +898,7 @@
           <a:p>
             <a:fld id="{1498BA10-AD91-4098-951E-48B310B67AB5}" type="datetimeFigureOut">
               <a:rPr lang="en-US" smtClean="0"/>
-              <a:t>7/12/2021</a:t>
+              <a:t>7/27/2021</a:t>
             </a:fld>
             <a:endParaRPr lang="en-US"/>
           </a:p>
@@ -1105,7 +1106,7 @@
           <a:p>
             <a:fld id="{1498BA10-AD91-4098-951E-48B310B67AB5}" type="datetimeFigureOut">
               <a:rPr lang="en-US" smtClean="0"/>
-              <a:t>7/12/2021</a:t>
+              <a:t>7/27/2021</a:t>
             </a:fld>
             <a:endParaRPr lang="en-US"/>
           </a:p>
@@ -1303,7 +1304,7 @@
           <a:p>
             <a:fld id="{1498BA10-AD91-4098-951E-48B310B67AB5}" type="datetimeFigureOut">
               <a:rPr lang="en-US" smtClean="0"/>
-              <a:t>7/12/2021</a:t>
+              <a:t>7/27/2021</a:t>
             </a:fld>
             <a:endParaRPr lang="en-US"/>
           </a:p>
@@ -1578,7 +1579,7 @@
           <a:p>
             <a:fld id="{1498BA10-AD91-4098-951E-48B310B67AB5}" type="datetimeFigureOut">
               <a:rPr lang="en-US" smtClean="0"/>
-              <a:t>7/12/2021</a:t>
+              <a:t>7/27/2021</a:t>
             </a:fld>
             <a:endParaRPr lang="en-US"/>
           </a:p>
@@ -1843,7 +1844,7 @@
           <a:p>
             <a:fld id="{1498BA10-AD91-4098-951E-48B310B67AB5}" type="datetimeFigureOut">
               <a:rPr lang="en-US" smtClean="0"/>
-              <a:t>7/12/2021</a:t>
+              <a:t>7/27/2021</a:t>
             </a:fld>
             <a:endParaRPr lang="en-US"/>
           </a:p>
@@ -2255,7 +2256,7 @@
           <a:p>
             <a:fld id="{1498BA10-AD91-4098-951E-48B310B67AB5}" type="datetimeFigureOut">
               <a:rPr lang="en-US" smtClean="0"/>
-              <a:t>7/12/2021</a:t>
+              <a:t>7/27/2021</a:t>
             </a:fld>
             <a:endParaRPr lang="en-US"/>
           </a:p>
@@ -2396,7 +2397,7 @@
           <a:p>
             <a:fld id="{1498BA10-AD91-4098-951E-48B310B67AB5}" type="datetimeFigureOut">
               <a:rPr lang="en-US" smtClean="0"/>
-              <a:t>7/12/2021</a:t>
+              <a:t>7/27/2021</a:t>
             </a:fld>
             <a:endParaRPr lang="en-US"/>
           </a:p>
@@ -2509,7 +2510,7 @@
           <a:p>
             <a:fld id="{1498BA10-AD91-4098-951E-48B310B67AB5}" type="datetimeFigureOut">
               <a:rPr lang="en-US" smtClean="0"/>
-              <a:t>7/12/2021</a:t>
+              <a:t>7/27/2021</a:t>
             </a:fld>
             <a:endParaRPr lang="en-US"/>
           </a:p>
@@ -2820,7 +2821,7 @@
           <a:p>
             <a:fld id="{1498BA10-AD91-4098-951E-48B310B67AB5}" type="datetimeFigureOut">
               <a:rPr lang="en-US" smtClean="0"/>
-              <a:t>7/12/2021</a:t>
+              <a:t>7/27/2021</a:t>
             </a:fld>
             <a:endParaRPr lang="en-US"/>
           </a:p>
@@ -3108,7 +3109,7 @@
           <a:p>
             <a:fld id="{1498BA10-AD91-4098-951E-48B310B67AB5}" type="datetimeFigureOut">
               <a:rPr lang="en-US" smtClean="0"/>
-              <a:t>7/12/2021</a:t>
+              <a:t>7/27/2021</a:t>
             </a:fld>
             <a:endParaRPr lang="en-US"/>
           </a:p>
@@ -3349,7 +3350,7 @@
           <a:p>
             <a:fld id="{1498BA10-AD91-4098-951E-48B310B67AB5}" type="datetimeFigureOut">
               <a:rPr lang="en-US" smtClean="0"/>
-              <a:t>7/12/2021</a:t>
+              <a:t>7/27/2021</a:t>
             </a:fld>
             <a:endParaRPr lang="en-US"/>
           </a:p>
@@ -5600,6 +5601,365 @@
     <p:extLst>
       <p:ext uri="{BB962C8B-B14F-4D97-AF65-F5344CB8AC3E}">
         <p14:creationId xmlns:p14="http://schemas.microsoft.com/office/powerpoint/2010/main" val="2682461920"/>
+      </p:ext>
+    </p:extLst>
+  </p:cSld>
+  <p:clrMapOvr>
+    <a:masterClrMapping/>
+  </p:clrMapOvr>
+</p:sld>
+</file>
+
+<file path=ppt/slides/slide6.xml><?xml version="1.0" encoding="utf-8"?>
+<p:sld xmlns:a="http://schemas.openxmlformats.org/drawingml/2006/main" xmlns:r="http://schemas.openxmlformats.org/officeDocument/2006/relationships" xmlns:p="http://schemas.openxmlformats.org/presentationml/2006/main">
+  <p:cSld>
+    <p:spTree>
+      <p:nvGrpSpPr>
+        <p:cNvPr id="1" name=""/>
+        <p:cNvGrpSpPr/>
+        <p:nvPr/>
+      </p:nvGrpSpPr>
+      <p:grpSpPr>
+        <a:xfrm>
+          <a:off x="0" y="0"/>
+          <a:ext cx="0" cy="0"/>
+          <a:chOff x="0" y="0"/>
+          <a:chExt cx="0" cy="0"/>
+        </a:xfrm>
+      </p:grpSpPr>
+      <p:sp>
+        <p:nvSpPr>
+          <p:cNvPr id="4" name="Oval 3">
+            <a:extLst>
+              <a:ext uri="{FF2B5EF4-FFF2-40B4-BE49-F238E27FC236}">
+                <a16:creationId xmlns:a16="http://schemas.microsoft.com/office/drawing/2014/main" id="{61BFE9CD-06CB-485F-9CEA-C4C296FC8154}"/>
+              </a:ext>
+            </a:extLst>
+          </p:cNvPr>
+          <p:cNvSpPr/>
+          <p:nvPr/>
+        </p:nvSpPr>
+        <p:spPr>
+          <a:xfrm>
+            <a:off x="4821787" y="1851102"/>
+            <a:ext cx="392523" cy="410365"/>
+          </a:xfrm>
+          <a:prstGeom prst="ellipse">
+            <a:avLst/>
+          </a:prstGeom>
+        </p:spPr>
+        <p:style>
+          <a:lnRef idx="2">
+            <a:schemeClr val="accent1">
+              <a:shade val="50000"/>
+            </a:schemeClr>
+          </a:lnRef>
+          <a:fillRef idx="1">
+            <a:schemeClr val="accent1"/>
+          </a:fillRef>
+          <a:effectRef idx="0">
+            <a:schemeClr val="accent1"/>
+          </a:effectRef>
+          <a:fontRef idx="minor">
+            <a:schemeClr val="lt1"/>
+          </a:fontRef>
+        </p:style>
+        <p:txBody>
+          <a:bodyPr rtlCol="0" anchor="ctr"/>
+          <a:lstStyle/>
+          <a:p>
+            <a:pPr algn="ctr"/>
+            <a:r>
+              <a:rPr lang="en-US" dirty="0"/>
+              <a:t>0</a:t>
+            </a:r>
+          </a:p>
+        </p:txBody>
+      </p:sp>
+      <p:sp>
+        <p:nvSpPr>
+          <p:cNvPr id="5" name="Oval 4">
+            <a:extLst>
+              <a:ext uri="{FF2B5EF4-FFF2-40B4-BE49-F238E27FC236}">
+                <a16:creationId xmlns:a16="http://schemas.microsoft.com/office/drawing/2014/main" id="{AB8C4FAE-4DF7-4202-A9E0-DDA4D0753B0E}"/>
+              </a:ext>
+            </a:extLst>
+          </p:cNvPr>
+          <p:cNvSpPr/>
+          <p:nvPr/>
+        </p:nvSpPr>
+        <p:spPr>
+          <a:xfrm>
+            <a:off x="6553199" y="2953586"/>
+            <a:ext cx="392523" cy="410365"/>
+          </a:xfrm>
+          <a:prstGeom prst="ellipse">
+            <a:avLst/>
+          </a:prstGeom>
+        </p:spPr>
+        <p:style>
+          <a:lnRef idx="2">
+            <a:schemeClr val="accent1">
+              <a:shade val="50000"/>
+            </a:schemeClr>
+          </a:lnRef>
+          <a:fillRef idx="1">
+            <a:schemeClr val="accent1"/>
+          </a:fillRef>
+          <a:effectRef idx="0">
+            <a:schemeClr val="accent1"/>
+          </a:effectRef>
+          <a:fontRef idx="minor">
+            <a:schemeClr val="lt1"/>
+          </a:fontRef>
+        </p:style>
+        <p:txBody>
+          <a:bodyPr rtlCol="0" anchor="ctr"/>
+          <a:lstStyle/>
+          <a:p>
+            <a:pPr algn="ctr"/>
+            <a:r>
+              <a:rPr lang="en-US" dirty="0"/>
+              <a:t>1</a:t>
+            </a:r>
+          </a:p>
+        </p:txBody>
+      </p:sp>
+      <p:sp>
+        <p:nvSpPr>
+          <p:cNvPr id="6" name="Oval 5">
+            <a:extLst>
+              <a:ext uri="{FF2B5EF4-FFF2-40B4-BE49-F238E27FC236}">
+                <a16:creationId xmlns:a16="http://schemas.microsoft.com/office/drawing/2014/main" id="{566690E2-ED2A-4216-9C8C-F7CA1D6AB26B}"/>
+              </a:ext>
+            </a:extLst>
+          </p:cNvPr>
+          <p:cNvSpPr/>
+          <p:nvPr/>
+        </p:nvSpPr>
+        <p:spPr>
+          <a:xfrm>
+            <a:off x="4287272" y="3355030"/>
+            <a:ext cx="392523" cy="410365"/>
+          </a:xfrm>
+          <a:prstGeom prst="ellipse">
+            <a:avLst/>
+          </a:prstGeom>
+        </p:spPr>
+        <p:style>
+          <a:lnRef idx="2">
+            <a:schemeClr val="accent1">
+              <a:shade val="50000"/>
+            </a:schemeClr>
+          </a:lnRef>
+          <a:fillRef idx="1">
+            <a:schemeClr val="accent1"/>
+          </a:fillRef>
+          <a:effectRef idx="0">
+            <a:schemeClr val="accent1"/>
+          </a:effectRef>
+          <a:fontRef idx="minor">
+            <a:schemeClr val="lt1"/>
+          </a:fontRef>
+        </p:style>
+        <p:txBody>
+          <a:bodyPr rtlCol="0" anchor="ctr"/>
+          <a:lstStyle/>
+          <a:p>
+            <a:pPr algn="ctr"/>
+            <a:r>
+              <a:rPr lang="en-US" dirty="0"/>
+              <a:t>2</a:t>
+            </a:r>
+          </a:p>
+        </p:txBody>
+      </p:sp>
+      <p:cxnSp>
+        <p:nvCxnSpPr>
+          <p:cNvPr id="8" name="Straight Arrow Connector 7">
+            <a:extLst>
+              <a:ext uri="{FF2B5EF4-FFF2-40B4-BE49-F238E27FC236}">
+                <a16:creationId xmlns:a16="http://schemas.microsoft.com/office/drawing/2014/main" id="{E201AF57-F879-433E-839C-72EA8F0E353D}"/>
+              </a:ext>
+            </a:extLst>
+          </p:cNvPr>
+          <p:cNvCxnSpPr>
+            <a:stCxn id="4" idx="5"/>
+            <a:endCxn id="5" idx="1"/>
+          </p:cNvCxnSpPr>
+          <p:nvPr/>
+        </p:nvCxnSpPr>
+        <p:spPr>
+          <a:xfrm>
+            <a:off x="5156826" y="2201370"/>
+            <a:ext cx="1453857" cy="812313"/>
+          </a:xfrm>
+          <a:prstGeom prst="straightConnector1">
+            <a:avLst/>
+          </a:prstGeom>
+          <a:ln>
+            <a:tailEnd type="triangle"/>
+          </a:ln>
+        </p:spPr>
+        <p:style>
+          <a:lnRef idx="1">
+            <a:schemeClr val="accent1"/>
+          </a:lnRef>
+          <a:fillRef idx="0">
+            <a:schemeClr val="accent1"/>
+          </a:fillRef>
+          <a:effectRef idx="0">
+            <a:schemeClr val="accent1"/>
+          </a:effectRef>
+          <a:fontRef idx="minor">
+            <a:schemeClr val="tx1"/>
+          </a:fontRef>
+        </p:style>
+      </p:cxnSp>
+      <p:sp>
+        <p:nvSpPr>
+          <p:cNvPr id="12" name="TextBox 11">
+            <a:extLst>
+              <a:ext uri="{FF2B5EF4-FFF2-40B4-BE49-F238E27FC236}">
+                <a16:creationId xmlns:a16="http://schemas.microsoft.com/office/drawing/2014/main" id="{243725BE-04C2-4D73-9CBC-D2E39D96624F}"/>
+              </a:ext>
+            </a:extLst>
+          </p:cNvPr>
+          <p:cNvSpPr txBox="1"/>
+          <p:nvPr/>
+        </p:nvSpPr>
+        <p:spPr>
+          <a:xfrm>
+            <a:off x="5249994" y="1686952"/>
+            <a:ext cx="597706" cy="369332"/>
+          </a:xfrm>
+          <a:prstGeom prst="rect">
+            <a:avLst/>
+          </a:prstGeom>
+          <a:noFill/>
+        </p:spPr>
+        <p:txBody>
+          <a:bodyPr wrap="square" rtlCol="0">
+            <a:spAutoFit/>
+          </a:bodyPr>
+          <a:lstStyle/>
+          <a:p>
+            <a:r>
+              <a:rPr lang="en-US" dirty="0"/>
+              <a:t>1</a:t>
+            </a:r>
+          </a:p>
+        </p:txBody>
+      </p:sp>
+      <p:sp>
+        <p:nvSpPr>
+          <p:cNvPr id="13" name="TextBox 12">
+            <a:extLst>
+              <a:ext uri="{FF2B5EF4-FFF2-40B4-BE49-F238E27FC236}">
+                <a16:creationId xmlns:a16="http://schemas.microsoft.com/office/drawing/2014/main" id="{60BDFA2E-08F7-4AF7-8B00-BB8248714ECD}"/>
+              </a:ext>
+            </a:extLst>
+          </p:cNvPr>
+          <p:cNvSpPr txBox="1"/>
+          <p:nvPr/>
+        </p:nvSpPr>
+        <p:spPr>
+          <a:xfrm>
+            <a:off x="4197319" y="2953586"/>
+            <a:ext cx="482476" cy="369332"/>
+          </a:xfrm>
+          <a:prstGeom prst="rect">
+            <a:avLst/>
+          </a:prstGeom>
+          <a:noFill/>
+        </p:spPr>
+        <p:txBody>
+          <a:bodyPr wrap="square" rtlCol="0">
+            <a:spAutoFit/>
+          </a:bodyPr>
+          <a:lstStyle/>
+          <a:p>
+            <a:r>
+              <a:rPr lang="en-US" dirty="0"/>
+              <a:t>2</a:t>
+            </a:r>
+          </a:p>
+        </p:txBody>
+      </p:sp>
+      <p:sp>
+        <p:nvSpPr>
+          <p:cNvPr id="14" name="TextBox 13">
+            <a:extLst>
+              <a:ext uri="{FF2B5EF4-FFF2-40B4-BE49-F238E27FC236}">
+                <a16:creationId xmlns:a16="http://schemas.microsoft.com/office/drawing/2014/main" id="{2B63DF4C-8DA2-4DD0-91F5-D816F8E59A8C}"/>
+              </a:ext>
+            </a:extLst>
+          </p:cNvPr>
+          <p:cNvSpPr txBox="1"/>
+          <p:nvPr/>
+        </p:nvSpPr>
+        <p:spPr>
+          <a:xfrm>
+            <a:off x="5868133" y="2158876"/>
+            <a:ext cx="562021" cy="365760"/>
+          </a:xfrm>
+          <a:prstGeom prst="rect">
+            <a:avLst/>
+          </a:prstGeom>
+          <a:noFill/>
+        </p:spPr>
+        <p:txBody>
+          <a:bodyPr wrap="square" rtlCol="0">
+            <a:spAutoFit/>
+          </a:bodyPr>
+          <a:lstStyle/>
+          <a:p>
+            <a:r>
+              <a:rPr lang="en-US" dirty="0"/>
+              <a:t>3</a:t>
+            </a:r>
+          </a:p>
+        </p:txBody>
+      </p:sp>
+      <p:sp>
+        <p:nvSpPr>
+          <p:cNvPr id="15" name="TextBox 14">
+            <a:extLst>
+              <a:ext uri="{FF2B5EF4-FFF2-40B4-BE49-F238E27FC236}">
+                <a16:creationId xmlns:a16="http://schemas.microsoft.com/office/drawing/2014/main" id="{FEF28330-D99B-483E-A4F7-BF5E540AB802}"/>
+              </a:ext>
+            </a:extLst>
+          </p:cNvPr>
+          <p:cNvSpPr txBox="1"/>
+          <p:nvPr/>
+        </p:nvSpPr>
+        <p:spPr>
+          <a:xfrm>
+            <a:off x="7092176" y="3013683"/>
+            <a:ext cx="709217" cy="369332"/>
+          </a:xfrm>
+          <a:prstGeom prst="rect">
+            <a:avLst/>
+          </a:prstGeom>
+          <a:noFill/>
+        </p:spPr>
+        <p:txBody>
+          <a:bodyPr wrap="square" rtlCol="0">
+            <a:spAutoFit/>
+          </a:bodyPr>
+          <a:lstStyle/>
+          <a:p>
+            <a:r>
+              <a:rPr lang="en-US" dirty="0"/>
+              <a:t>4</a:t>
+            </a:r>
+          </a:p>
+        </p:txBody>
+      </p:sp>
+    </p:spTree>
+    <p:extLst>
+      <p:ext uri="{BB962C8B-B14F-4D97-AF65-F5344CB8AC3E}">
+        <p14:creationId xmlns:p14="http://schemas.microsoft.com/office/powerpoint/2010/main" val="758301623"/>
       </p:ext>
     </p:extLst>
   </p:cSld>
